--- a/EP/EP_Cox_Nomo/forest.pptx
+++ b/EP/EP_Cox_Nomo/forest.pptx
@@ -1,16 +1,16 @@
 
 <file path=ppt/presentation.xml><?xml version="1.0" encoding="utf-8"?>
-<p:presentation xmlns:a="http://schemas.openxmlformats.org/drawingml/2006/main" xmlns:r="http://schemas.openxmlformats.org/officeDocument/2006/relationships" xmlns:p="http://schemas.openxmlformats.org/presentationml/2006/main">
+<p:presentation xmlns:a="http://schemas.openxmlformats.org/drawingml/2006/main" xmlns:r="http://schemas.openxmlformats.org/officeDocument/2006/relationships" xmlns:p="http://schemas.openxmlformats.org/presentationml/2006/main" saveSubsetFonts="1">
   <p:sldMasterIdLst>
     <p:sldMasterId id="2147483648" r:id="rId1"/>
   </p:sldMasterIdLst>
   <p:sldIdLst>
-    <p:sldId id="256" r:id="rId3"/>
+    <p:sldId id="256" r:id="rId8"/>
   </p:sldIdLst>
   <p:sldSz cx="9144000" cy="6858000" type="screen4x3"/>
   <p:notesSz cx="6858000" cy="9144000"/>
   <p:custDataLst>
-    <p:tags r:id="rId7"/>
+    <p:tags r:id="rId3"/>
   </p:custDataLst>
   <p:defaultTextStyle>
     <a:defPPr>
@@ -291,6 +291,7 @@
           <a:p>
             <a:fld id="{E6744CE3-0875-4B69-89C0-6F72D8139561}" type="datetimeFigureOut">
               <a:rPr lang="en-GB" smtClean="0"/>
+              <a:t>26/05/17</a:t>
             </a:fld>
             <a:endParaRPr lang="en-GB"/>
           </a:p>
@@ -332,12 +333,18 @@
           <a:p>
             <a:fld id="{8DADB20D-508E-4C6D-A9E4-257D5607B0F6}" type="slidenum">
               <a:rPr lang="en-GB" smtClean="0"/>
+              <a:t>‹#›</a:t>
             </a:fld>
             <a:endParaRPr lang="en-GB"/>
           </a:p>
         </p:txBody>
       </p:sp>
     </p:spTree>
+    <p:extLst>
+      <p:ext uri="{BB962C8B-B14F-4D97-AF65-F5344CB8AC3E}">
+        <p14:creationId xmlns:p14="http://schemas.microsoft.com/office/powerpoint/2010/main" val="4214881138"/>
+      </p:ext>
+    </p:extLst>
   </p:cSld>
   <p:clrMapOvr>
     <a:masterClrMapping/>
@@ -405,7 +412,6 @@
               <a:rPr lang="en-US" smtClean="0"/>
               <a:t>Click to edit Master text styles</a:t>
             </a:r>
-            <a:endParaRPr lang="en-US" smtClean="0"/>
           </a:p>
           <a:p>
             <a:pPr lvl="1"/>
@@ -413,7 +419,6 @@
               <a:rPr lang="en-US" smtClean="0"/>
               <a:t>Second level</a:t>
             </a:r>
-            <a:endParaRPr lang="en-US" smtClean="0"/>
           </a:p>
           <a:p>
             <a:pPr lvl="2"/>
@@ -421,7 +426,6 @@
               <a:rPr lang="en-US" smtClean="0"/>
               <a:t>Third level</a:t>
             </a:r>
-            <a:endParaRPr lang="en-US" smtClean="0"/>
           </a:p>
           <a:p>
             <a:pPr lvl="3"/>
@@ -429,7 +433,6 @@
               <a:rPr lang="en-US" smtClean="0"/>
               <a:t>Fourth level</a:t>
             </a:r>
-            <a:endParaRPr lang="en-US" smtClean="0"/>
           </a:p>
           <a:p>
             <a:pPr lvl="4"/>
@@ -458,6 +461,7 @@
           <a:p>
             <a:fld id="{E6744CE3-0875-4B69-89C0-6F72D8139561}" type="datetimeFigureOut">
               <a:rPr lang="en-GB" smtClean="0"/>
+              <a:t>26/05/17</a:t>
             </a:fld>
             <a:endParaRPr lang="en-GB"/>
           </a:p>
@@ -499,12 +503,18 @@
           <a:p>
             <a:fld id="{8DADB20D-508E-4C6D-A9E4-257D5607B0F6}" type="slidenum">
               <a:rPr lang="en-GB" smtClean="0"/>
+              <a:t>‹#›</a:t>
             </a:fld>
             <a:endParaRPr lang="en-GB"/>
           </a:p>
         </p:txBody>
       </p:sp>
     </p:spTree>
+    <p:extLst>
+      <p:ext uri="{BB962C8B-B14F-4D97-AF65-F5344CB8AC3E}">
+        <p14:creationId xmlns:p14="http://schemas.microsoft.com/office/powerpoint/2010/main" val="271576982"/>
+      </p:ext>
+    </p:extLst>
   </p:cSld>
   <p:clrMapOvr>
     <a:masterClrMapping/>
@@ -677,7 +687,6 @@
               <a:rPr lang="en-US" smtClean="0"/>
               <a:t>Click to edit Master text styles</a:t>
             </a:r>
-            <a:endParaRPr lang="en-US" smtClean="0"/>
           </a:p>
         </p:txBody>
       </p:sp>
@@ -698,6 +707,7 @@
           <a:p>
             <a:fld id="{E6744CE3-0875-4B69-89C0-6F72D8139561}" type="datetimeFigureOut">
               <a:rPr lang="en-GB" smtClean="0"/>
+              <a:t>26/05/17</a:t>
             </a:fld>
             <a:endParaRPr lang="en-GB"/>
           </a:p>
@@ -739,12 +749,18 @@
           <a:p>
             <a:fld id="{8DADB20D-508E-4C6D-A9E4-257D5607B0F6}" type="slidenum">
               <a:rPr lang="en-GB" smtClean="0"/>
+              <a:t>‹#›</a:t>
             </a:fld>
             <a:endParaRPr lang="en-GB"/>
           </a:p>
         </p:txBody>
       </p:sp>
     </p:spTree>
+    <p:extLst>
+      <p:ext uri="{BB962C8B-B14F-4D97-AF65-F5344CB8AC3E}">
+        <p14:creationId xmlns:p14="http://schemas.microsoft.com/office/powerpoint/2010/main" val="1431545585"/>
+      </p:ext>
+    </p:extLst>
   </p:cSld>
   <p:clrMapOvr>
     <a:masterClrMapping/>
@@ -845,7 +861,6 @@
               <a:rPr lang="en-US" smtClean="0"/>
               <a:t>Click to edit Master text styles</a:t>
             </a:r>
-            <a:endParaRPr lang="en-US" smtClean="0"/>
           </a:p>
           <a:p>
             <a:pPr lvl="1"/>
@@ -853,7 +868,6 @@
               <a:rPr lang="en-US" smtClean="0"/>
               <a:t>Second level</a:t>
             </a:r>
-            <a:endParaRPr lang="en-US" smtClean="0"/>
           </a:p>
           <a:p>
             <a:pPr lvl="2"/>
@@ -861,7 +875,6 @@
               <a:rPr lang="en-US" smtClean="0"/>
               <a:t>Third level</a:t>
             </a:r>
-            <a:endParaRPr lang="en-US" smtClean="0"/>
           </a:p>
           <a:p>
             <a:pPr lvl="3"/>
@@ -869,7 +882,6 @@
               <a:rPr lang="en-US" smtClean="0"/>
               <a:t>Fourth level</a:t>
             </a:r>
-            <a:endParaRPr lang="en-US" smtClean="0"/>
           </a:p>
           <a:p>
             <a:pPr lvl="4"/>
@@ -934,7 +946,6 @@
               <a:rPr lang="en-US" smtClean="0"/>
               <a:t>Click to edit Master text styles</a:t>
             </a:r>
-            <a:endParaRPr lang="en-US" smtClean="0"/>
           </a:p>
           <a:p>
             <a:pPr lvl="1"/>
@@ -942,7 +953,6 @@
               <a:rPr lang="en-US" smtClean="0"/>
               <a:t>Second level</a:t>
             </a:r>
-            <a:endParaRPr lang="en-US" smtClean="0"/>
           </a:p>
           <a:p>
             <a:pPr lvl="2"/>
@@ -950,7 +960,6 @@
               <a:rPr lang="en-US" smtClean="0"/>
               <a:t>Third level</a:t>
             </a:r>
-            <a:endParaRPr lang="en-US" smtClean="0"/>
           </a:p>
           <a:p>
             <a:pPr lvl="3"/>
@@ -958,7 +967,6 @@
               <a:rPr lang="en-US" smtClean="0"/>
               <a:t>Fourth level</a:t>
             </a:r>
-            <a:endParaRPr lang="en-US" smtClean="0"/>
           </a:p>
           <a:p>
             <a:pPr lvl="4"/>
@@ -987,6 +995,7 @@
           <a:p>
             <a:fld id="{E6744CE3-0875-4B69-89C0-6F72D8139561}" type="datetimeFigureOut">
               <a:rPr lang="en-GB" smtClean="0"/>
+              <a:t>26/05/17</a:t>
             </a:fld>
             <a:endParaRPr lang="en-GB"/>
           </a:p>
@@ -1028,12 +1037,18 @@
           <a:p>
             <a:fld id="{8DADB20D-508E-4C6D-A9E4-257D5607B0F6}" type="slidenum">
               <a:rPr lang="en-GB" smtClean="0"/>
+              <a:t>‹#›</a:t>
             </a:fld>
             <a:endParaRPr lang="en-GB"/>
           </a:p>
         </p:txBody>
       </p:sp>
     </p:spTree>
+    <p:extLst>
+      <p:ext uri="{BB962C8B-B14F-4D97-AF65-F5344CB8AC3E}">
+        <p14:creationId xmlns:p14="http://schemas.microsoft.com/office/powerpoint/2010/main" val="468392282"/>
+      </p:ext>
+    </p:extLst>
   </p:cSld>
   <p:clrMapOvr>
     <a:masterClrMapping/>
@@ -1147,7 +1162,6 @@
               <a:rPr lang="en-US" smtClean="0"/>
               <a:t>Click to edit Master text styles</a:t>
             </a:r>
-            <a:endParaRPr lang="en-US" smtClean="0"/>
           </a:p>
         </p:txBody>
       </p:sp>
@@ -1204,7 +1218,6 @@
               <a:rPr lang="en-US" smtClean="0"/>
               <a:t>Click to edit Master text styles</a:t>
             </a:r>
-            <a:endParaRPr lang="en-US" smtClean="0"/>
           </a:p>
           <a:p>
             <a:pPr lvl="1"/>
@@ -1212,7 +1225,6 @@
               <a:rPr lang="en-US" smtClean="0"/>
               <a:t>Second level</a:t>
             </a:r>
-            <a:endParaRPr lang="en-US" smtClean="0"/>
           </a:p>
           <a:p>
             <a:pPr lvl="2"/>
@@ -1220,7 +1232,6 @@
               <a:rPr lang="en-US" smtClean="0"/>
               <a:t>Third level</a:t>
             </a:r>
-            <a:endParaRPr lang="en-US" smtClean="0"/>
           </a:p>
           <a:p>
             <a:pPr lvl="3"/>
@@ -1228,7 +1239,6 @@
               <a:rPr lang="en-US" smtClean="0"/>
               <a:t>Fourth level</a:t>
             </a:r>
-            <a:endParaRPr lang="en-US" smtClean="0"/>
           </a:p>
           <a:p>
             <a:pPr lvl="4"/>
@@ -1302,7 +1312,6 @@
               <a:rPr lang="en-US" smtClean="0"/>
               <a:t>Click to edit Master text styles</a:t>
             </a:r>
-            <a:endParaRPr lang="en-US" smtClean="0"/>
           </a:p>
         </p:txBody>
       </p:sp>
@@ -1359,7 +1368,6 @@
               <a:rPr lang="en-US" smtClean="0"/>
               <a:t>Click to edit Master text styles</a:t>
             </a:r>
-            <a:endParaRPr lang="en-US" smtClean="0"/>
           </a:p>
           <a:p>
             <a:pPr lvl="1"/>
@@ -1367,7 +1375,6 @@
               <a:rPr lang="en-US" smtClean="0"/>
               <a:t>Second level</a:t>
             </a:r>
-            <a:endParaRPr lang="en-US" smtClean="0"/>
           </a:p>
           <a:p>
             <a:pPr lvl="2"/>
@@ -1375,7 +1382,6 @@
               <a:rPr lang="en-US" smtClean="0"/>
               <a:t>Third level</a:t>
             </a:r>
-            <a:endParaRPr lang="en-US" smtClean="0"/>
           </a:p>
           <a:p>
             <a:pPr lvl="3"/>
@@ -1383,7 +1389,6 @@
               <a:rPr lang="en-US" smtClean="0"/>
               <a:t>Fourth level</a:t>
             </a:r>
-            <a:endParaRPr lang="en-US" smtClean="0"/>
           </a:p>
           <a:p>
             <a:pPr lvl="4"/>
@@ -1412,6 +1417,7 @@
           <a:p>
             <a:fld id="{E6744CE3-0875-4B69-89C0-6F72D8139561}" type="datetimeFigureOut">
               <a:rPr lang="en-GB" smtClean="0"/>
+              <a:t>26/05/17</a:t>
             </a:fld>
             <a:endParaRPr lang="en-GB"/>
           </a:p>
@@ -1453,12 +1459,18 @@
           <a:p>
             <a:fld id="{8DADB20D-508E-4C6D-A9E4-257D5607B0F6}" type="slidenum">
               <a:rPr lang="en-GB" smtClean="0"/>
+              <a:t>‹#›</a:t>
             </a:fld>
             <a:endParaRPr lang="en-GB"/>
           </a:p>
         </p:txBody>
       </p:sp>
     </p:spTree>
+    <p:extLst>
+      <p:ext uri="{BB962C8B-B14F-4D97-AF65-F5344CB8AC3E}">
+        <p14:creationId xmlns:p14="http://schemas.microsoft.com/office/powerpoint/2010/main" val="2120349123"/>
+      </p:ext>
+    </p:extLst>
   </p:cSld>
   <p:clrMapOvr>
     <a:masterClrMapping/>
@@ -1523,6 +1535,7 @@
           <a:p>
             <a:fld id="{E6744CE3-0875-4B69-89C0-6F72D8139561}" type="datetimeFigureOut">
               <a:rPr lang="en-GB" smtClean="0"/>
+              <a:t>26/05/17</a:t>
             </a:fld>
             <a:endParaRPr lang="en-GB"/>
           </a:p>
@@ -1564,12 +1577,18 @@
           <a:p>
             <a:fld id="{8DADB20D-508E-4C6D-A9E4-257D5607B0F6}" type="slidenum">
               <a:rPr lang="en-GB" smtClean="0"/>
+              <a:t>‹#›</a:t>
             </a:fld>
             <a:endParaRPr lang="en-GB"/>
           </a:p>
         </p:txBody>
       </p:sp>
     </p:spTree>
+    <p:extLst>
+      <p:ext uri="{BB962C8B-B14F-4D97-AF65-F5344CB8AC3E}">
+        <p14:creationId xmlns:p14="http://schemas.microsoft.com/office/powerpoint/2010/main" val="1385807973"/>
+      </p:ext>
+    </p:extLst>
   </p:cSld>
   <p:clrMapOvr>
     <a:masterClrMapping/>
@@ -1611,6 +1630,7 @@
           <a:p>
             <a:fld id="{E6744CE3-0875-4B69-89C0-6F72D8139561}" type="datetimeFigureOut">
               <a:rPr lang="en-GB" smtClean="0"/>
+              <a:t>26/05/17</a:t>
             </a:fld>
             <a:endParaRPr lang="en-GB"/>
           </a:p>
@@ -1652,12 +1672,18 @@
           <a:p>
             <a:fld id="{8DADB20D-508E-4C6D-A9E4-257D5607B0F6}" type="slidenum">
               <a:rPr lang="en-GB" smtClean="0"/>
+              <a:t>‹#›</a:t>
             </a:fld>
             <a:endParaRPr lang="en-GB"/>
           </a:p>
         </p:txBody>
       </p:sp>
     </p:spTree>
+    <p:extLst>
+      <p:ext uri="{BB962C8B-B14F-4D97-AF65-F5344CB8AC3E}">
+        <p14:creationId xmlns:p14="http://schemas.microsoft.com/office/powerpoint/2010/main" val="2755996059"/>
+      </p:ext>
+    </p:extLst>
   </p:cSld>
   <p:clrMapOvr>
     <a:masterClrMapping/>
@@ -1750,7 +1776,6 @@
               <a:rPr lang="en-US" smtClean="0"/>
               <a:t>Click to edit Master text styles</a:t>
             </a:r>
-            <a:endParaRPr lang="en-US" smtClean="0"/>
           </a:p>
           <a:p>
             <a:pPr lvl="1"/>
@@ -1758,7 +1783,6 @@
               <a:rPr lang="en-US" smtClean="0"/>
               <a:t>Second level</a:t>
             </a:r>
-            <a:endParaRPr lang="en-US" smtClean="0"/>
           </a:p>
           <a:p>
             <a:pPr lvl="2"/>
@@ -1766,7 +1790,6 @@
               <a:rPr lang="en-US" smtClean="0"/>
               <a:t>Third level</a:t>
             </a:r>
-            <a:endParaRPr lang="en-US" smtClean="0"/>
           </a:p>
           <a:p>
             <a:pPr lvl="3"/>
@@ -1774,7 +1797,6 @@
               <a:rPr lang="en-US" smtClean="0"/>
               <a:t>Fourth level</a:t>
             </a:r>
-            <a:endParaRPr lang="en-US" smtClean="0"/>
           </a:p>
           <a:p>
             <a:pPr lvl="4"/>
@@ -1821,6 +1843,7 @@
           <a:p>
             <a:fld id="{E6744CE3-0875-4B69-89C0-6F72D8139561}" type="datetimeFigureOut">
               <a:rPr lang="en-GB" smtClean="0"/>
+              <a:t>26/05/17</a:t>
             </a:fld>
             <a:endParaRPr lang="en-GB"/>
           </a:p>
@@ -1898,12 +1921,18 @@
           <a:p>
             <a:fld id="{8DADB20D-508E-4C6D-A9E4-257D5607B0F6}" type="slidenum">
               <a:rPr lang="en-GB" smtClean="0"/>
+              <a:t>‹#›</a:t>
             </a:fld>
             <a:endParaRPr lang="en-GB"/>
           </a:p>
         </p:txBody>
       </p:sp>
     </p:spTree>
+    <p:extLst>
+      <p:ext uri="{BB962C8B-B14F-4D97-AF65-F5344CB8AC3E}">
+        <p14:creationId xmlns:p14="http://schemas.microsoft.com/office/powerpoint/2010/main" val="307823620"/>
+      </p:ext>
+    </p:extLst>
   </p:cSld>
   <p:clrMap bg1="lt1" tx1="dk1" bg2="lt2" tx2="dk2" accent1="accent1" accent2="accent2" accent3="accent3" accent4="accent4" accent5="accent5" accent6="accent6" hlink="hlink" folHlink="folHlink"/>
   <p:sldLayoutIdLst>
@@ -2185,16 +2214,43 @@
           <a:chExt cx="0" cy="0"/>
         </a:xfrm>
       </p:grpSpPr>
-      <p:grpSp>
+      <p:sp>
+        <p:nvSpPr>
+          <p:cNvPr id="2" name="Title 1"/>
+          <p:cNvSpPr>
+            <a:spLocks noGrp="1"/>
+          </p:cNvSpPr>
+          <p:nvPr>
+            <p:ph type="title"/>
+          </p:nvPr>
+        </p:nvSpPr>
+        <p:spPr>
+          <a:xfrm>
+            <a:off x="457200" y="274638"/>
+            <a:ext cx="8229600" cy="1143000"/>
+          </a:xfrm>
+        </p:spPr>
+        <p:txBody>
+          <a:bodyPr/>
+          <a:lstStyle/>
+          <a:p>
+            <a:r>
+              <a:rPr/>
+              <a:t/>
+            </a:r>
+          </a:p>
+        </p:txBody>
+      </p:sp>
+      <p:grpSp xmlns:pic="http://schemas.openxmlformats.org/drawingml/2006/picture">
         <p:nvGrpSpPr>
-          <p:cNvPr id="3" name="Group 2"/>
+          <p:cNvPr id="3" name=""/>
           <p:cNvGrpSpPr/>
           <p:nvPr/>
         </p:nvGrpSpPr>
         <p:grpSpPr>
           <a:xfrm>
-            <a:off x="140970" y="860425"/>
-            <a:ext cx="8806180" cy="5678805"/>
+            <a:off x="914400" y="914400"/>
+            <a:ext cx="5486400" cy="5486400"/>
             <a:chOff x="914400" y="914400"/>
             <a:chExt cx="5486400" cy="5486400"/>
           </a:xfrm>
@@ -2303,16 +2359,13 @@
           </p:nvSpPr>
           <p:spPr>
             <a:xfrm>
-              <a:off x="3793486" y="1219331"/>
+              <a:off x="3793488" y="1219331"/>
               <a:ext cx="0" cy="4770179"/>
             </a:xfrm>
             <a:custGeom>
               <a:avLst/>
-              <a:gdLst/>
-              <a:ahLst/>
-              <a:cxnLst/>
               <a:pathLst>
-                <a:path h="4770179">
+                <a:path w="0" h="4770179">
                   <a:moveTo>
                     <a:pt x="0" y="4770179"/>
                   </a:moveTo>
@@ -2346,16 +2399,13 @@
           </p:nvSpPr>
           <p:spPr>
             <a:xfrm>
-              <a:off x="4134144" y="1219331"/>
+              <a:off x="4134146" y="1219331"/>
               <a:ext cx="0" cy="4770179"/>
             </a:xfrm>
             <a:custGeom>
               <a:avLst/>
-              <a:gdLst/>
-              <a:ahLst/>
-              <a:cxnLst/>
               <a:pathLst>
-                <a:path h="4770179">
+                <a:path w="0" h="4770179">
                   <a:moveTo>
                     <a:pt x="0" y="4770179"/>
                   </a:moveTo>
@@ -2389,16 +2439,13 @@
           </p:nvSpPr>
           <p:spPr>
             <a:xfrm>
-              <a:off x="4474802" y="1219331"/>
+              <a:off x="4474803" y="1219331"/>
               <a:ext cx="0" cy="4770179"/>
             </a:xfrm>
             <a:custGeom>
               <a:avLst/>
-              <a:gdLst/>
-              <a:ahLst/>
-              <a:cxnLst/>
               <a:pathLst>
-                <a:path h="4770179">
+                <a:path w="0" h="4770179">
                   <a:moveTo>
                     <a:pt x="0" y="4770179"/>
                   </a:moveTo>
@@ -2432,16 +2479,13 @@
           </p:nvSpPr>
           <p:spPr>
             <a:xfrm>
-              <a:off x="4925127" y="1219331"/>
+              <a:off x="4925128" y="1219331"/>
               <a:ext cx="0" cy="4770179"/>
             </a:xfrm>
             <a:custGeom>
               <a:avLst/>
-              <a:gdLst/>
-              <a:ahLst/>
-              <a:cxnLst/>
               <a:pathLst>
-                <a:path h="4770179">
+                <a:path w="0" h="4770179">
                   <a:moveTo>
                     <a:pt x="0" y="4770179"/>
                   </a:moveTo>
@@ -2475,16 +2519,13 @@
           </p:nvSpPr>
           <p:spPr>
             <a:xfrm>
-              <a:off x="5265785" y="1219331"/>
+              <a:off x="5265786" y="1219331"/>
               <a:ext cx="0" cy="4770179"/>
             </a:xfrm>
             <a:custGeom>
               <a:avLst/>
-              <a:gdLst/>
-              <a:ahLst/>
-              <a:cxnLst/>
               <a:pathLst>
-                <a:path h="4770179">
+                <a:path w="0" h="4770179">
                   <a:moveTo>
                     <a:pt x="0" y="4770179"/>
                   </a:moveTo>
@@ -2518,16 +2559,13 @@
           </p:nvSpPr>
           <p:spPr>
             <a:xfrm>
-              <a:off x="5606443" y="1219331"/>
+              <a:off x="5606444" y="1219331"/>
               <a:ext cx="0" cy="4770179"/>
             </a:xfrm>
             <a:custGeom>
               <a:avLst/>
-              <a:gdLst/>
-              <a:ahLst/>
-              <a:cxnLst/>
               <a:pathLst>
-                <a:path h="4770179">
+                <a:path w="0" h="4770179">
                   <a:moveTo>
                     <a:pt x="0" y="4770179"/>
                   </a:moveTo>
@@ -2561,16 +2599,13 @@
           </p:nvSpPr>
           <p:spPr>
             <a:xfrm>
-              <a:off x="6056768" y="1219331"/>
+              <a:off x="6056769" y="1219331"/>
               <a:ext cx="0" cy="4770179"/>
             </a:xfrm>
             <a:custGeom>
               <a:avLst/>
-              <a:gdLst/>
-              <a:ahLst/>
-              <a:cxnLst/>
               <a:pathLst>
-                <a:path h="4770179">
+                <a:path w="0" h="4770179">
                   <a:moveTo>
                     <a:pt x="0" y="4770179"/>
                   </a:moveTo>
@@ -2604,8 +2639,8 @@
           </p:nvSpPr>
           <p:spPr>
             <a:xfrm>
-              <a:off x="1142707" y="5230618"/>
-              <a:ext cx="5064578" cy="542065"/>
+              <a:off x="1142707" y="4905379"/>
+              <a:ext cx="5064578" cy="867305"/>
             </a:xfrm>
             <a:prstGeom prst="rect">
               <a:avLst/>
@@ -2630,8 +2665,8 @@
           </p:nvSpPr>
           <p:spPr>
             <a:xfrm>
-              <a:off x="1142707" y="4688552"/>
-              <a:ext cx="5064578" cy="542065"/>
+              <a:off x="1142707" y="4038073"/>
+              <a:ext cx="5064578" cy="867305"/>
             </a:xfrm>
             <a:prstGeom prst="rect">
               <a:avLst/>
@@ -2656,8 +2691,8 @@
           </p:nvSpPr>
           <p:spPr>
             <a:xfrm>
-              <a:off x="1142707" y="4146486"/>
-              <a:ext cx="5064578" cy="542065"/>
+              <a:off x="1142707" y="3170768"/>
+              <a:ext cx="5064578" cy="867305"/>
             </a:xfrm>
             <a:prstGeom prst="rect">
               <a:avLst/>
@@ -2682,8 +2717,8 @@
           </p:nvSpPr>
           <p:spPr>
             <a:xfrm>
-              <a:off x="1142707" y="3604421"/>
-              <a:ext cx="5064578" cy="542065"/>
+              <a:off x="1142707" y="2303462"/>
+              <a:ext cx="5064578" cy="867305"/>
             </a:xfrm>
             <a:prstGeom prst="rect">
               <a:avLst/>
@@ -2708,8 +2743,8 @@
           </p:nvSpPr>
           <p:spPr>
             <a:xfrm>
-              <a:off x="1142707" y="3062355"/>
-              <a:ext cx="5064578" cy="542065"/>
+              <a:off x="1142707" y="1436157"/>
+              <a:ext cx="5064578" cy="867305"/>
             </a:xfrm>
             <a:prstGeom prst="rect">
               <a:avLst/>
@@ -2728,98 +2763,17 @@
         </p:sp>
         <p:sp>
           <p:nvSpPr>
-            <p:cNvPr id="19" name="rc18"/>
-            <p:cNvSpPr/>
-            <p:nvPr/>
-          </p:nvSpPr>
-          <p:spPr>
-            <a:xfrm>
-              <a:off x="1142707" y="2520289"/>
-              <a:ext cx="5064578" cy="542065"/>
-            </a:xfrm>
-            <a:prstGeom prst="rect">
-              <a:avLst/>
-            </a:prstGeom>
-            <a:solidFill>
-              <a:srgbClr val="FFFFFF">
-                <a:alpha val="20000"/>
-              </a:srgbClr>
-            </a:solidFill>
-          </p:spPr>
-          <p:txBody>
-            <a:bodyPr/>
-            <a:lstStyle/>
-            <a:p/>
-          </p:txBody>
-        </p:sp>
-        <p:sp>
-          <p:nvSpPr>
-            <p:cNvPr id="20" name="rc19"/>
-            <p:cNvSpPr/>
-            <p:nvPr/>
-          </p:nvSpPr>
-          <p:spPr>
-            <a:xfrm>
-              <a:off x="1142707" y="1978223"/>
-              <a:ext cx="5064578" cy="542065"/>
-            </a:xfrm>
-            <a:prstGeom prst="rect">
-              <a:avLst/>
-            </a:prstGeom>
-            <a:solidFill>
-              <a:srgbClr val="000000">
-                <a:alpha val="20000"/>
-              </a:srgbClr>
-            </a:solidFill>
-          </p:spPr>
-          <p:txBody>
-            <a:bodyPr/>
-            <a:lstStyle/>
-            <a:p/>
-          </p:txBody>
-        </p:sp>
-        <p:sp>
-          <p:nvSpPr>
-            <p:cNvPr id="21" name="rc20"/>
-            <p:cNvSpPr/>
-            <p:nvPr/>
-          </p:nvSpPr>
-          <p:spPr>
-            <a:xfrm>
-              <a:off x="1142707" y="1436157"/>
-              <a:ext cx="5064578" cy="542065"/>
-            </a:xfrm>
-            <a:prstGeom prst="rect">
-              <a:avLst/>
-            </a:prstGeom>
-            <a:solidFill>
-              <a:srgbClr val="FFFFFF">
-                <a:alpha val="20000"/>
-              </a:srgbClr>
-            </a:solidFill>
-          </p:spPr>
-          <p:txBody>
-            <a:bodyPr/>
-            <a:lstStyle/>
-            <a:p/>
-          </p:txBody>
-        </p:sp>
-        <p:sp>
-          <p:nvSpPr>
-            <p:cNvPr id="22" name="pg21"/>
-            <p:cNvSpPr/>
-            <p:nvPr/>
-          </p:nvSpPr>
-          <p:spPr>
-            <a:xfrm>
-              <a:off x="3850215" y="5442949"/>
+            <p:cNvPr id="19" name="pg18"/>
+            <p:cNvSpPr/>
+            <p:nvPr/>
+          </p:nvSpPr>
+          <p:spPr>
+            <a:xfrm>
+              <a:off x="3850214" y="5280329"/>
               <a:ext cx="117405" cy="117404"/>
             </a:xfrm>
             <a:custGeom>
               <a:avLst/>
-              <a:gdLst/>
-              <a:ahLst/>
-              <a:cxnLst/>
               <a:pathLst>
                 <a:path w="117405" h="117404">
                   <a:moveTo>
@@ -2852,20 +2806,17 @@
         </p:sp>
         <p:sp>
           <p:nvSpPr>
-            <p:cNvPr id="23" name="pg22"/>
-            <p:cNvSpPr/>
-            <p:nvPr/>
-          </p:nvSpPr>
-          <p:spPr>
-            <a:xfrm>
-              <a:off x="4075442" y="4900883"/>
+            <p:cNvPr id="20" name="pg19"/>
+            <p:cNvSpPr/>
+            <p:nvPr/>
+          </p:nvSpPr>
+          <p:spPr>
+            <a:xfrm>
+              <a:off x="4076537" y="4413023"/>
               <a:ext cx="117405" cy="117404"/>
             </a:xfrm>
             <a:custGeom>
               <a:avLst/>
-              <a:gdLst/>
-              <a:ahLst/>
-              <a:cxnLst/>
               <a:pathLst>
                 <a:path w="117405" h="117404">
                   <a:moveTo>
@@ -2898,158 +2849,17 @@
         </p:sp>
         <p:sp>
           <p:nvSpPr>
-            <p:cNvPr id="24" name="pg23"/>
-            <p:cNvSpPr/>
-            <p:nvPr/>
-          </p:nvSpPr>
-          <p:spPr>
-            <a:xfrm>
-              <a:off x="4076536" y="4358817"/>
-              <a:ext cx="117405" cy="117404"/>
+            <p:cNvPr id="21" name="pg20"/>
+            <p:cNvSpPr/>
+            <p:nvPr/>
+          </p:nvSpPr>
+          <p:spPr>
+            <a:xfrm>
+              <a:off x="4610424" y="3545718"/>
+              <a:ext cx="117404" cy="117405"/>
             </a:xfrm>
             <a:custGeom>
               <a:avLst/>
-              <a:gdLst/>
-              <a:ahLst/>
-              <a:cxnLst/>
-              <a:pathLst>
-                <a:path w="117405" h="117404">
-                  <a:moveTo>
-                    <a:pt x="0" y="117404"/>
-                  </a:moveTo>
-                  <a:lnTo>
-                    <a:pt x="117405" y="117404"/>
-                  </a:lnTo>
-                  <a:lnTo>
-                    <a:pt x="117405" y="0"/>
-                  </a:lnTo>
-                  <a:lnTo>
-                    <a:pt x="0" y="0"/>
-                  </a:lnTo>
-                  <a:close/>
-                </a:path>
-              </a:pathLst>
-            </a:custGeom>
-            <a:solidFill>
-              <a:srgbClr val="000000">
-                <a:alpha val="100000"/>
-              </a:srgbClr>
-            </a:solidFill>
-          </p:spPr>
-          <p:txBody>
-            <a:bodyPr/>
-            <a:lstStyle/>
-            <a:p/>
-          </p:txBody>
-        </p:sp>
-        <p:sp>
-          <p:nvSpPr>
-            <p:cNvPr id="25" name="pg24"/>
-            <p:cNvSpPr/>
-            <p:nvPr/>
-          </p:nvSpPr>
-          <p:spPr>
-            <a:xfrm>
-              <a:off x="4610422" y="3816751"/>
-              <a:ext cx="117404" cy="117404"/>
-            </a:xfrm>
-            <a:custGeom>
-              <a:avLst/>
-              <a:gdLst/>
-              <a:ahLst/>
-              <a:cxnLst/>
-              <a:pathLst>
-                <a:path w="117404" h="117404">
-                  <a:moveTo>
-                    <a:pt x="0" y="117404"/>
-                  </a:moveTo>
-                  <a:lnTo>
-                    <a:pt x="117404" y="117404"/>
-                  </a:lnTo>
-                  <a:lnTo>
-                    <a:pt x="117404" y="0"/>
-                  </a:lnTo>
-                  <a:lnTo>
-                    <a:pt x="0" y="0"/>
-                  </a:lnTo>
-                  <a:close/>
-                </a:path>
-              </a:pathLst>
-            </a:custGeom>
-            <a:solidFill>
-              <a:srgbClr val="000000">
-                <a:alpha val="100000"/>
-              </a:srgbClr>
-            </a:solidFill>
-          </p:spPr>
-          <p:txBody>
-            <a:bodyPr/>
-            <a:lstStyle/>
-            <a:p/>
-          </p:txBody>
-        </p:sp>
-        <p:sp>
-          <p:nvSpPr>
-            <p:cNvPr id="26" name="pg25"/>
-            <p:cNvSpPr/>
-            <p:nvPr/>
-          </p:nvSpPr>
-          <p:spPr>
-            <a:xfrm>
-              <a:off x="4075442" y="3274685"/>
-              <a:ext cx="117405" cy="117405"/>
-            </a:xfrm>
-            <a:custGeom>
-              <a:avLst/>
-              <a:gdLst/>
-              <a:ahLst/>
-              <a:cxnLst/>
-              <a:pathLst>
-                <a:path w="117405" h="117405">
-                  <a:moveTo>
-                    <a:pt x="0" y="117405"/>
-                  </a:moveTo>
-                  <a:lnTo>
-                    <a:pt x="117405" y="117405"/>
-                  </a:lnTo>
-                  <a:lnTo>
-                    <a:pt x="117405" y="0"/>
-                  </a:lnTo>
-                  <a:lnTo>
-                    <a:pt x="0" y="0"/>
-                  </a:lnTo>
-                  <a:close/>
-                </a:path>
-              </a:pathLst>
-            </a:custGeom>
-            <a:solidFill>
-              <a:srgbClr val="000000">
-                <a:alpha val="100000"/>
-              </a:srgbClr>
-            </a:solidFill>
-          </p:spPr>
-          <p:txBody>
-            <a:bodyPr/>
-            <a:lstStyle/>
-            <a:p/>
-          </p:txBody>
-        </p:sp>
-        <p:sp>
-          <p:nvSpPr>
-            <p:cNvPr id="27" name="pg26"/>
-            <p:cNvSpPr/>
-            <p:nvPr/>
-          </p:nvSpPr>
-          <p:spPr>
-            <a:xfrm>
-              <a:off x="4541105" y="2732619"/>
-              <a:ext cx="117404" cy="117405"/>
-            </a:xfrm>
-            <a:custGeom>
-              <a:avLst/>
-              <a:gdLst/>
-              <a:ahLst/>
-              <a:cxnLst/>
               <a:pathLst>
                 <a:path w="117404" h="117405">
                   <a:moveTo>
@@ -3082,66 +2892,17 @@
         </p:sp>
         <p:sp>
           <p:nvSpPr>
-            <p:cNvPr id="28" name="pg27"/>
-            <p:cNvSpPr/>
-            <p:nvPr/>
-          </p:nvSpPr>
-          <p:spPr>
-            <a:xfrm>
-              <a:off x="4075442" y="2190553"/>
-              <a:ext cx="117405" cy="117405"/>
+            <p:cNvPr id="22" name="pg21"/>
+            <p:cNvSpPr/>
+            <p:nvPr/>
+          </p:nvSpPr>
+          <p:spPr>
+            <a:xfrm>
+              <a:off x="4541107" y="2678413"/>
+              <a:ext cx="117404" cy="117405"/>
             </a:xfrm>
             <a:custGeom>
               <a:avLst/>
-              <a:gdLst/>
-              <a:ahLst/>
-              <a:cxnLst/>
-              <a:pathLst>
-                <a:path w="117405" h="117405">
-                  <a:moveTo>
-                    <a:pt x="0" y="117405"/>
-                  </a:moveTo>
-                  <a:lnTo>
-                    <a:pt x="117405" y="117405"/>
-                  </a:lnTo>
-                  <a:lnTo>
-                    <a:pt x="117405" y="0"/>
-                  </a:lnTo>
-                  <a:lnTo>
-                    <a:pt x="0" y="0"/>
-                  </a:lnTo>
-                  <a:close/>
-                </a:path>
-              </a:pathLst>
-            </a:custGeom>
-            <a:solidFill>
-              <a:srgbClr val="000000">
-                <a:alpha val="100000"/>
-              </a:srgbClr>
-            </a:solidFill>
-          </p:spPr>
-          <p:txBody>
-            <a:bodyPr/>
-            <a:lstStyle/>
-            <a:p/>
-          </p:txBody>
-        </p:sp>
-        <p:sp>
-          <p:nvSpPr>
-            <p:cNvPr id="29" name="pg28"/>
-            <p:cNvSpPr/>
-            <p:nvPr/>
-          </p:nvSpPr>
-          <p:spPr>
-            <a:xfrm>
-              <a:off x="5272544" y="1648487"/>
-              <a:ext cx="117404" cy="117405"/>
-            </a:xfrm>
-            <a:custGeom>
-              <a:avLst/>
-              <a:gdLst/>
-              <a:ahLst/>
-              <a:cxnLst/>
               <a:pathLst>
                 <a:path w="117404" h="117405">
                   <a:moveTo>
@@ -3174,24 +2935,64 @@
         </p:sp>
         <p:sp>
           <p:nvSpPr>
-            <p:cNvPr id="30" name="pl29"/>
-            <p:cNvSpPr/>
-            <p:nvPr/>
-          </p:nvSpPr>
-          <p:spPr>
-            <a:xfrm>
-              <a:off x="4319509" y="5460996"/>
-              <a:ext cx="0" cy="81309"/>
+            <p:cNvPr id="23" name="pg22"/>
+            <p:cNvSpPr/>
+            <p:nvPr/>
+          </p:nvSpPr>
+          <p:spPr>
+            <a:xfrm>
+              <a:off x="5272544" y="1811107"/>
+              <a:ext cx="117404" cy="117405"/>
             </a:xfrm>
             <a:custGeom>
               <a:avLst/>
-              <a:gdLst/>
-              <a:ahLst/>
-              <a:cxnLst/>
               <a:pathLst>
-                <a:path h="81309">
+                <a:path w="117404" h="117405">
                   <a:moveTo>
-                    <a:pt x="0" y="81309"/>
+                    <a:pt x="0" y="117405"/>
+                  </a:moveTo>
+                  <a:lnTo>
+                    <a:pt x="117404" y="117405"/>
+                  </a:lnTo>
+                  <a:lnTo>
+                    <a:pt x="117404" y="0"/>
+                  </a:lnTo>
+                  <a:lnTo>
+                    <a:pt x="0" y="0"/>
+                  </a:lnTo>
+                  <a:close/>
+                </a:path>
+              </a:pathLst>
+            </a:custGeom>
+            <a:solidFill>
+              <a:srgbClr val="000000">
+                <a:alpha val="100000"/>
+              </a:srgbClr>
+            </a:solidFill>
+          </p:spPr>
+          <p:txBody>
+            <a:bodyPr/>
+            <a:lstStyle/>
+            <a:p/>
+          </p:txBody>
+        </p:sp>
+        <p:sp>
+          <p:nvSpPr>
+            <p:cNvPr id="24" name="pl23"/>
+            <p:cNvSpPr/>
+            <p:nvPr/>
+          </p:nvSpPr>
+          <p:spPr>
+            <a:xfrm>
+              <a:off x="4319508" y="5273984"/>
+              <a:ext cx="0" cy="130095"/>
+            </a:xfrm>
+            <a:custGeom>
+              <a:avLst/>
+              <a:pathLst>
+                <a:path w="0" h="130095">
+                  <a:moveTo>
+                    <a:pt x="0" y="130095"/>
                   </a:moveTo>
                   <a:lnTo>
                     <a:pt x="0" y="0"/>
@@ -3217,22 +3018,19 @@
         </p:sp>
         <p:sp>
           <p:nvSpPr>
-            <p:cNvPr id="31" name="pl30"/>
-            <p:cNvSpPr/>
-            <p:nvPr/>
-          </p:nvSpPr>
-          <p:spPr>
-            <a:xfrm>
-              <a:off x="3498325" y="5501651"/>
+            <p:cNvPr id="25" name="pl24"/>
+            <p:cNvSpPr/>
+            <p:nvPr/>
+          </p:nvSpPr>
+          <p:spPr>
+            <a:xfrm>
+              <a:off x="3498325" y="5339031"/>
               <a:ext cx="821183" cy="0"/>
             </a:xfrm>
             <a:custGeom>
               <a:avLst/>
-              <a:gdLst/>
-              <a:ahLst/>
-              <a:cxnLst/>
               <a:pathLst>
-                <a:path w="821183">
+                <a:path w="821183" h="0">
                   <a:moveTo>
                     <a:pt x="821183" y="0"/>
                   </a:moveTo>
@@ -3260,24 +3058,21 @@
         </p:sp>
         <p:sp>
           <p:nvSpPr>
-            <p:cNvPr id="32" name="pl31"/>
-            <p:cNvSpPr/>
-            <p:nvPr/>
-          </p:nvSpPr>
-          <p:spPr>
-            <a:xfrm>
-              <a:off x="3498325" y="5460996"/>
-              <a:ext cx="0" cy="81309"/>
+            <p:cNvPr id="26" name="pl25"/>
+            <p:cNvSpPr/>
+            <p:nvPr/>
+          </p:nvSpPr>
+          <p:spPr>
+            <a:xfrm>
+              <a:off x="3498325" y="5273984"/>
+              <a:ext cx="0" cy="130095"/>
             </a:xfrm>
             <a:custGeom>
               <a:avLst/>
-              <a:gdLst/>
-              <a:ahLst/>
-              <a:cxnLst/>
               <a:pathLst>
-                <a:path h="81309">
+                <a:path w="0" h="130095">
                   <a:moveTo>
-                    <a:pt x="0" y="81309"/>
+                    <a:pt x="0" y="130095"/>
                   </a:moveTo>
                   <a:lnTo>
                     <a:pt x="0" y="0"/>
@@ -3303,24 +3098,21 @@
         </p:sp>
         <p:sp>
           <p:nvSpPr>
-            <p:cNvPr id="33" name="pl32"/>
-            <p:cNvSpPr/>
-            <p:nvPr/>
-          </p:nvSpPr>
-          <p:spPr>
-            <a:xfrm>
-              <a:off x="4136703" y="4376864"/>
-              <a:ext cx="0" cy="81309"/>
+            <p:cNvPr id="27" name="pl26"/>
+            <p:cNvSpPr/>
+            <p:nvPr/>
+          </p:nvSpPr>
+          <p:spPr>
+            <a:xfrm>
+              <a:off x="4136704" y="4406678"/>
+              <a:ext cx="0" cy="130095"/>
             </a:xfrm>
             <a:custGeom>
               <a:avLst/>
-              <a:gdLst/>
-              <a:ahLst/>
-              <a:cxnLst/>
               <a:pathLst>
-                <a:path h="81309">
+                <a:path w="0" h="130095">
                   <a:moveTo>
-                    <a:pt x="0" y="81309"/>
+                    <a:pt x="0" y="130095"/>
                   </a:moveTo>
                   <a:lnTo>
                     <a:pt x="0" y="0"/>
@@ -3346,22 +3138,19 @@
         </p:sp>
         <p:sp>
           <p:nvSpPr>
-            <p:cNvPr id="34" name="pl33"/>
-            <p:cNvSpPr/>
-            <p:nvPr/>
-          </p:nvSpPr>
-          <p:spPr>
-            <a:xfrm>
-              <a:off x="4133774" y="4417519"/>
+            <p:cNvPr id="28" name="pl27"/>
+            <p:cNvSpPr/>
+            <p:nvPr/>
+          </p:nvSpPr>
+          <p:spPr>
+            <a:xfrm>
+              <a:off x="4133776" y="4471726"/>
               <a:ext cx="2928" cy="0"/>
             </a:xfrm>
             <a:custGeom>
               <a:avLst/>
-              <a:gdLst/>
-              <a:ahLst/>
-              <a:cxnLst/>
               <a:pathLst>
-                <a:path w="2928">
+                <a:path w="2928" h="0">
                   <a:moveTo>
                     <a:pt x="2928" y="0"/>
                   </a:moveTo>
@@ -3389,24 +3178,21 @@
         </p:sp>
         <p:sp>
           <p:nvSpPr>
-            <p:cNvPr id="35" name="pl34"/>
-            <p:cNvSpPr/>
-            <p:nvPr/>
-          </p:nvSpPr>
-          <p:spPr>
-            <a:xfrm>
-              <a:off x="4133774" y="4376864"/>
-              <a:ext cx="0" cy="81309"/>
+            <p:cNvPr id="29" name="pl28"/>
+            <p:cNvSpPr/>
+            <p:nvPr/>
+          </p:nvSpPr>
+          <p:spPr>
+            <a:xfrm>
+              <a:off x="4133776" y="4406678"/>
+              <a:ext cx="0" cy="130095"/>
             </a:xfrm>
             <a:custGeom>
               <a:avLst/>
-              <a:gdLst/>
-              <a:ahLst/>
-              <a:cxnLst/>
               <a:pathLst>
-                <a:path h="81309">
+                <a:path w="0" h="130095">
                   <a:moveTo>
-                    <a:pt x="0" y="81309"/>
+                    <a:pt x="0" y="130095"/>
                   </a:moveTo>
                   <a:lnTo>
                     <a:pt x="0" y="0"/>
@@ -3432,24 +3218,21 @@
         </p:sp>
         <p:sp>
           <p:nvSpPr>
-            <p:cNvPr id="36" name="pl35"/>
-            <p:cNvSpPr/>
-            <p:nvPr/>
-          </p:nvSpPr>
-          <p:spPr>
-            <a:xfrm>
-              <a:off x="5188512" y="3834799"/>
-              <a:ext cx="0" cy="81309"/>
+            <p:cNvPr id="30" name="pl29"/>
+            <p:cNvSpPr/>
+            <p:nvPr/>
+          </p:nvSpPr>
+          <p:spPr>
+            <a:xfrm>
+              <a:off x="5188514" y="3539373"/>
+              <a:ext cx="0" cy="130095"/>
             </a:xfrm>
             <a:custGeom>
               <a:avLst/>
-              <a:gdLst/>
-              <a:ahLst/>
-              <a:cxnLst/>
               <a:pathLst>
-                <a:path h="81309">
+                <a:path w="0" h="130095">
                   <a:moveTo>
-                    <a:pt x="0" y="81309"/>
+                    <a:pt x="0" y="130095"/>
                   </a:moveTo>
                   <a:lnTo>
                     <a:pt x="0" y="0"/>
@@ -3475,24 +3258,21 @@
         </p:sp>
         <p:sp>
           <p:nvSpPr>
-            <p:cNvPr id="37" name="pl36"/>
-            <p:cNvSpPr/>
-            <p:nvPr/>
-          </p:nvSpPr>
-          <p:spPr>
-            <a:xfrm>
-              <a:off x="4149737" y="3875454"/>
-              <a:ext cx="1038775" cy="0"/>
+            <p:cNvPr id="31" name="pl30"/>
+            <p:cNvSpPr/>
+            <p:nvPr/>
+          </p:nvSpPr>
+          <p:spPr>
+            <a:xfrm>
+              <a:off x="4149739" y="3604421"/>
+              <a:ext cx="1038774" cy="0"/>
             </a:xfrm>
             <a:custGeom>
               <a:avLst/>
-              <a:gdLst/>
-              <a:ahLst/>
-              <a:cxnLst/>
               <a:pathLst>
-                <a:path w="1038775">
+                <a:path w="1038774" h="0">
                   <a:moveTo>
-                    <a:pt x="1038775" y="0"/>
+                    <a:pt x="1038774" y="0"/>
                   </a:moveTo>
                   <a:lnTo>
                     <a:pt x="0" y="0"/>
@@ -3518,24 +3298,21 @@
         </p:sp>
         <p:sp>
           <p:nvSpPr>
-            <p:cNvPr id="38" name="pl37"/>
-            <p:cNvSpPr/>
-            <p:nvPr/>
-          </p:nvSpPr>
-          <p:spPr>
-            <a:xfrm>
-              <a:off x="4149737" y="3834799"/>
-              <a:ext cx="0" cy="81309"/>
+            <p:cNvPr id="32" name="pl31"/>
+            <p:cNvSpPr/>
+            <p:nvPr/>
+          </p:nvSpPr>
+          <p:spPr>
+            <a:xfrm>
+              <a:off x="4149739" y="3539373"/>
+              <a:ext cx="0" cy="130095"/>
             </a:xfrm>
             <a:custGeom>
               <a:avLst/>
-              <a:gdLst/>
-              <a:ahLst/>
-              <a:cxnLst/>
               <a:pathLst>
-                <a:path h="81309">
+                <a:path w="0" h="130095">
                   <a:moveTo>
-                    <a:pt x="0" y="81309"/>
+                    <a:pt x="0" y="130095"/>
                   </a:moveTo>
                   <a:lnTo>
                     <a:pt x="0" y="0"/>
@@ -3561,24 +3338,21 @@
         </p:sp>
         <p:sp>
           <p:nvSpPr>
-            <p:cNvPr id="39" name="pl38"/>
-            <p:cNvSpPr/>
-            <p:nvPr/>
-          </p:nvSpPr>
-          <p:spPr>
-            <a:xfrm>
-              <a:off x="5007377" y="2750667"/>
-              <a:ext cx="0" cy="81309"/>
+            <p:cNvPr id="33" name="pl32"/>
+            <p:cNvSpPr/>
+            <p:nvPr/>
+          </p:nvSpPr>
+          <p:spPr>
+            <a:xfrm>
+              <a:off x="5007378" y="2672067"/>
+              <a:ext cx="0" cy="130095"/>
             </a:xfrm>
             <a:custGeom>
               <a:avLst/>
-              <a:gdLst/>
-              <a:ahLst/>
-              <a:cxnLst/>
               <a:pathLst>
-                <a:path h="81309">
+                <a:path w="0" h="130095">
                   <a:moveTo>
-                    <a:pt x="0" y="81309"/>
+                    <a:pt x="0" y="130095"/>
                   </a:moveTo>
                   <a:lnTo>
                     <a:pt x="0" y="0"/>
@@ -3604,24 +3378,21 @@
         </p:sp>
         <p:sp>
           <p:nvSpPr>
-            <p:cNvPr id="40" name="pl39"/>
-            <p:cNvSpPr/>
-            <p:nvPr/>
-          </p:nvSpPr>
-          <p:spPr>
-            <a:xfrm>
-              <a:off x="4192239" y="2791322"/>
-              <a:ext cx="815137" cy="0"/>
+            <p:cNvPr id="34" name="pl33"/>
+            <p:cNvSpPr/>
+            <p:nvPr/>
+          </p:nvSpPr>
+          <p:spPr>
+            <a:xfrm>
+              <a:off x="4192241" y="2737115"/>
+              <a:ext cx="815136" cy="0"/>
             </a:xfrm>
             <a:custGeom>
               <a:avLst/>
-              <a:gdLst/>
-              <a:ahLst/>
-              <a:cxnLst/>
               <a:pathLst>
-                <a:path w="815137">
+                <a:path w="815136" h="0">
                   <a:moveTo>
-                    <a:pt x="815137" y="0"/>
+                    <a:pt x="815136" y="0"/>
                   </a:moveTo>
                   <a:lnTo>
                     <a:pt x="0" y="0"/>
@@ -3647,24 +3418,21 @@
         </p:sp>
         <p:sp>
           <p:nvSpPr>
-            <p:cNvPr id="41" name="pl40"/>
-            <p:cNvSpPr/>
-            <p:nvPr/>
-          </p:nvSpPr>
-          <p:spPr>
-            <a:xfrm>
-              <a:off x="4192239" y="2750667"/>
-              <a:ext cx="0" cy="81309"/>
+            <p:cNvPr id="35" name="pl34"/>
+            <p:cNvSpPr/>
+            <p:nvPr/>
+          </p:nvSpPr>
+          <p:spPr>
+            <a:xfrm>
+              <a:off x="4192241" y="2672067"/>
+              <a:ext cx="0" cy="130095"/>
             </a:xfrm>
             <a:custGeom>
               <a:avLst/>
-              <a:gdLst/>
-              <a:ahLst/>
-              <a:cxnLst/>
               <a:pathLst>
-                <a:path h="81309">
+                <a:path w="0" h="130095">
                   <a:moveTo>
-                    <a:pt x="0" y="81309"/>
+                    <a:pt x="0" y="130095"/>
                   </a:moveTo>
                   <a:lnTo>
                     <a:pt x="0" y="0"/>
@@ -3690,24 +3458,21 @@
         </p:sp>
         <p:sp>
           <p:nvSpPr>
-            <p:cNvPr id="42" name="pl41"/>
-            <p:cNvSpPr/>
-            <p:nvPr/>
-          </p:nvSpPr>
-          <p:spPr>
-            <a:xfrm>
-              <a:off x="5853943" y="1666535"/>
-              <a:ext cx="0" cy="81309"/>
+            <p:cNvPr id="36" name="pl35"/>
+            <p:cNvSpPr/>
+            <p:nvPr/>
+          </p:nvSpPr>
+          <p:spPr>
+            <a:xfrm>
+              <a:off x="5853943" y="1804762"/>
+              <a:ext cx="0" cy="130095"/>
             </a:xfrm>
             <a:custGeom>
               <a:avLst/>
-              <a:gdLst/>
-              <a:ahLst/>
-              <a:cxnLst/>
               <a:pathLst>
-                <a:path h="81309">
+                <a:path w="0" h="130095">
                   <a:moveTo>
-                    <a:pt x="0" y="81309"/>
+                    <a:pt x="0" y="130095"/>
                   </a:moveTo>
                   <a:lnTo>
                     <a:pt x="0" y="0"/>
@@ -3733,22 +3498,19 @@
         </p:sp>
         <p:sp>
           <p:nvSpPr>
-            <p:cNvPr id="43" name="pl42"/>
-            <p:cNvSpPr/>
-            <p:nvPr/>
-          </p:nvSpPr>
-          <p:spPr>
-            <a:xfrm>
-              <a:off x="4808550" y="1707190"/>
+            <p:cNvPr id="37" name="pl36"/>
+            <p:cNvSpPr/>
+            <p:nvPr/>
+          </p:nvSpPr>
+          <p:spPr>
+            <a:xfrm>
+              <a:off x="4808551" y="1869810"/>
               <a:ext cx="1045392" cy="0"/>
             </a:xfrm>
             <a:custGeom>
               <a:avLst/>
-              <a:gdLst/>
-              <a:ahLst/>
-              <a:cxnLst/>
               <a:pathLst>
-                <a:path w="1045392">
+                <a:path w="1045392" h="0">
                   <a:moveTo>
                     <a:pt x="1045392" y="0"/>
                   </a:moveTo>
@@ -3776,24 +3538,21 @@
         </p:sp>
         <p:sp>
           <p:nvSpPr>
-            <p:cNvPr id="44" name="pl43"/>
-            <p:cNvSpPr/>
-            <p:nvPr/>
-          </p:nvSpPr>
-          <p:spPr>
-            <a:xfrm>
-              <a:off x="4808550" y="1666535"/>
-              <a:ext cx="0" cy="81309"/>
+            <p:cNvPr id="38" name="pl37"/>
+            <p:cNvSpPr/>
+            <p:nvPr/>
+          </p:nvSpPr>
+          <p:spPr>
+            <a:xfrm>
+              <a:off x="4808551" y="1804762"/>
+              <a:ext cx="0" cy="130095"/>
             </a:xfrm>
             <a:custGeom>
               <a:avLst/>
-              <a:gdLst/>
-              <a:ahLst/>
-              <a:cxnLst/>
               <a:pathLst>
-                <a:path h="81309">
+                <a:path w="0" h="130095">
                   <a:moveTo>
-                    <a:pt x="0" y="81309"/>
+                    <a:pt x="0" y="130095"/>
                   </a:moveTo>
                   <a:lnTo>
                     <a:pt x="0" y="0"/>
@@ -3819,22 +3578,19 @@
         </p:sp>
         <p:sp>
           <p:nvSpPr>
-            <p:cNvPr id="45" name="pl44"/>
-            <p:cNvSpPr/>
-            <p:nvPr/>
-          </p:nvSpPr>
-          <p:spPr>
-            <a:xfrm>
-              <a:off x="4134144" y="1219331"/>
+            <p:cNvPr id="39" name="pl38"/>
+            <p:cNvSpPr/>
+            <p:nvPr/>
+          </p:nvSpPr>
+          <p:spPr>
+            <a:xfrm>
+              <a:off x="4134146" y="1219331"/>
               <a:ext cx="0" cy="4770179"/>
             </a:xfrm>
             <a:custGeom>
               <a:avLst/>
-              <a:gdLst/>
-              <a:ahLst/>
-              <a:cxnLst/>
               <a:pathLst>
-                <a:path h="4770179">
+                <a:path w="0" h="4770179">
                   <a:moveTo>
                     <a:pt x="0" y="4770179"/>
                   </a:moveTo>
@@ -3862,13 +3618,13 @@
         </p:sp>
         <p:sp>
           <p:nvSpPr>
-            <p:cNvPr id="46" name="tx45"/>
-            <p:cNvSpPr/>
-            <p:nvPr/>
-          </p:nvSpPr>
-          <p:spPr>
-            <a:xfrm>
-              <a:off x="1243999" y="4921267"/>
+            <p:cNvPr id="40" name="tx39"/>
+            <p:cNvSpPr/>
+            <p:nvPr/>
+          </p:nvSpPr>
+          <p:spPr>
+            <a:xfrm>
+              <a:off x="1243999" y="5300713"/>
               <a:ext cx="137230" cy="73963"/>
             </a:xfrm>
             <a:prstGeom prst="rect">
@@ -3877,10 +3633,10 @@
             <a:noFill/>
           </p:spPr>
           <p:txBody>
-            <a:bodyPr wrap="none" lIns="0" tIns="0" rIns="0" bIns="0" anchor="ctr" anchorCtr="1"/>
+            <a:bodyPr lIns="0" rIns="0" tIns="0" bIns="0" anchorCtr="1" anchor="ctr" wrap="none"/>
             <a:lstStyle/>
             <a:p>
-              <a:pPr marL="0" marR="0" indent="0" algn="l">
+              <a:pPr algn="l" marL="0" marR="0" indent="0">
                 <a:lnSpc>
                   <a:spcPts val="770"/>
                 </a:lnSpc>
@@ -3898,32 +3654,23 @@
                       <a:alpha val="100000"/>
                     </a:srgbClr>
                   </a:solidFill>
-                  <a:latin typeface="DejaVu Sans" panose="020B0603030804020204"/>
-                  <a:cs typeface="DejaVu Sans" panose="020B0603030804020204"/>
+                  <a:latin typeface="DejaVu Sans"/>
+                  <a:cs typeface="DejaVu Sans"/>
                 </a:rPr>
                 <a:t>SE</a:t>
               </a:r>
-              <a:endParaRPr sz="770" b="1">
-                <a:solidFill>
-                  <a:srgbClr val="000000">
-                    <a:alpha val="100000"/>
-                  </a:srgbClr>
-                </a:solidFill>
-                <a:latin typeface="DejaVu Sans" panose="020B0603030804020204"/>
-                <a:cs typeface="DejaVu Sans" panose="020B0603030804020204"/>
-              </a:endParaRPr>
             </a:p>
           </p:txBody>
         </p:sp>
         <p:sp>
           <p:nvSpPr>
-            <p:cNvPr id="47" name="tx46"/>
-            <p:cNvSpPr/>
-            <p:nvPr/>
-          </p:nvSpPr>
-          <p:spPr>
-            <a:xfrm>
-              <a:off x="1243999" y="4380490"/>
+            <p:cNvPr id="41" name="tx40"/>
+            <p:cNvSpPr/>
+            <p:nvPr/>
+          </p:nvSpPr>
+          <p:spPr>
+            <a:xfrm>
+              <a:off x="1243999" y="4434697"/>
               <a:ext cx="437715" cy="72674"/>
             </a:xfrm>
             <a:prstGeom prst="rect">
@@ -3932,10 +3679,10 @@
             <a:noFill/>
           </p:spPr>
           <p:txBody>
-            <a:bodyPr wrap="none" lIns="0" tIns="0" rIns="0" bIns="0" anchor="ctr" anchorCtr="1"/>
+            <a:bodyPr lIns="0" rIns="0" tIns="0" bIns="0" anchorCtr="1" anchor="ctr" wrap="none"/>
             <a:lstStyle/>
             <a:p>
-              <a:pPr marL="0" marR="0" indent="0" algn="l">
+              <a:pPr algn="l" marL="0" marR="0" indent="0">
                 <a:lnSpc>
                   <a:spcPts val="770"/>
                 </a:lnSpc>
@@ -3953,32 +3700,23 @@
                       <a:alpha val="100000"/>
                     </a:srgbClr>
                   </a:solidFill>
-                  <a:latin typeface="DejaVu Sans" panose="020B0603030804020204"/>
-                  <a:cs typeface="DejaVu Sans" panose="020B0603030804020204"/>
+                  <a:latin typeface="DejaVu Sans"/>
+                  <a:cs typeface="DejaVu Sans"/>
                 </a:rPr>
                 <a:t>Durmon</a:t>
               </a:r>
-              <a:endParaRPr sz="770" b="1">
-                <a:solidFill>
-                  <a:srgbClr val="000000">
-                    <a:alpha val="100000"/>
-                  </a:srgbClr>
-                </a:solidFill>
-                <a:latin typeface="DejaVu Sans" panose="020B0603030804020204"/>
-                <a:cs typeface="DejaVu Sans" panose="020B0603030804020204"/>
-              </a:endParaRPr>
             </a:p>
           </p:txBody>
         </p:sp>
         <p:sp>
           <p:nvSpPr>
-            <p:cNvPr id="48" name="tx47"/>
-            <p:cNvSpPr/>
-            <p:nvPr/>
-          </p:nvSpPr>
-          <p:spPr>
-            <a:xfrm>
-              <a:off x="1243999" y="3271672"/>
+            <p:cNvPr id="42" name="tx41"/>
+            <p:cNvSpPr/>
+            <p:nvPr/>
+          </p:nvSpPr>
+          <p:spPr>
+            <a:xfrm>
+              <a:off x="1243999" y="3542705"/>
               <a:ext cx="921030" cy="97360"/>
             </a:xfrm>
             <a:prstGeom prst="rect">
@@ -3987,10 +3725,10 @@
             <a:noFill/>
           </p:spPr>
           <p:txBody>
-            <a:bodyPr wrap="none" lIns="0" tIns="0" rIns="0" bIns="0" anchor="ctr" anchorCtr="1"/>
+            <a:bodyPr lIns="0" rIns="0" tIns="0" bIns="0" anchorCtr="1" anchor="ctr" wrap="none"/>
             <a:lstStyle/>
             <a:p>
-              <a:pPr marL="0" marR="0" indent="0" algn="l">
+              <a:pPr algn="l" marL="0" marR="0" indent="0">
                 <a:lnSpc>
                   <a:spcPts val="770"/>
                 </a:lnSpc>
@@ -4008,32 +3746,23 @@
                       <a:alpha val="100000"/>
                     </a:srgbClr>
                   </a:solidFill>
-                  <a:latin typeface="DejaVu Sans" panose="020B0603030804020204"/>
-                  <a:cs typeface="DejaVu Sans" panose="020B0603030804020204"/>
+                  <a:latin typeface="DejaVu Sans"/>
+                  <a:cs typeface="DejaVu Sans"/>
                 </a:rPr>
                 <a:t>familial_epilepsy</a:t>
               </a:r>
-              <a:endParaRPr sz="770" b="1">
-                <a:solidFill>
-                  <a:srgbClr val="000000">
-                    <a:alpha val="100000"/>
-                  </a:srgbClr>
-                </a:solidFill>
-                <a:latin typeface="DejaVu Sans" panose="020B0603030804020204"/>
-                <a:cs typeface="DejaVu Sans" panose="020B0603030804020204"/>
-              </a:endParaRPr>
             </a:p>
           </p:txBody>
         </p:sp>
         <p:sp>
           <p:nvSpPr>
-            <p:cNvPr id="49" name="tx48"/>
-            <p:cNvSpPr/>
-            <p:nvPr/>
-          </p:nvSpPr>
-          <p:spPr>
-            <a:xfrm>
-              <a:off x="1243999" y="2210937"/>
+            <p:cNvPr id="43" name="tx42"/>
+            <p:cNvSpPr/>
+            <p:nvPr/>
+          </p:nvSpPr>
+          <p:spPr>
+            <a:xfrm>
+              <a:off x="1243999" y="2698797"/>
               <a:ext cx="221125" cy="73963"/>
             </a:xfrm>
             <a:prstGeom prst="rect">
@@ -4042,10 +3771,10 @@
             <a:noFill/>
           </p:spPr>
           <p:txBody>
-            <a:bodyPr wrap="none" lIns="0" tIns="0" rIns="0" bIns="0" anchor="ctr" anchorCtr="1"/>
+            <a:bodyPr lIns="0" rIns="0" tIns="0" bIns="0" anchorCtr="1" anchor="ctr" wrap="none"/>
             <a:lstStyle/>
             <a:p>
-              <a:pPr marL="0" marR="0" indent="0" algn="l">
+              <a:pPr algn="l" marL="0" marR="0" indent="0">
                 <a:lnSpc>
                   <a:spcPts val="770"/>
                 </a:lnSpc>
@@ -4063,32 +3792,23 @@
                       <a:alpha val="100000"/>
                     </a:srgbClr>
                   </a:solidFill>
-                  <a:latin typeface="DejaVu Sans" panose="020B0603030804020204"/>
-                  <a:cs typeface="DejaVu Sans" panose="020B0603030804020204"/>
+                  <a:latin typeface="DejaVu Sans"/>
+                  <a:cs typeface="DejaVu Sans"/>
                 </a:rPr>
                 <a:t>SGS</a:t>
               </a:r>
-              <a:endParaRPr sz="770" b="1">
-                <a:solidFill>
-                  <a:srgbClr val="000000">
-                    <a:alpha val="100000"/>
-                  </a:srgbClr>
-                </a:solidFill>
-                <a:latin typeface="DejaVu Sans" panose="020B0603030804020204"/>
-                <a:cs typeface="DejaVu Sans" panose="020B0603030804020204"/>
-              </a:endParaRPr>
             </a:p>
           </p:txBody>
         </p:sp>
         <p:sp>
           <p:nvSpPr>
-            <p:cNvPr id="50" name="tx49"/>
-            <p:cNvSpPr/>
-            <p:nvPr/>
-          </p:nvSpPr>
-          <p:spPr>
-            <a:xfrm>
-              <a:off x="1243999" y="1667152"/>
+            <p:cNvPr id="44" name="tx43"/>
+            <p:cNvSpPr/>
+            <p:nvPr/>
+          </p:nvSpPr>
+          <p:spPr>
+            <a:xfrm>
+              <a:off x="1243999" y="1829772"/>
               <a:ext cx="482121" cy="75682"/>
             </a:xfrm>
             <a:prstGeom prst="rect">
@@ -4097,10 +3817,10 @@
             <a:noFill/>
           </p:spPr>
           <p:txBody>
-            <a:bodyPr wrap="none" lIns="0" tIns="0" rIns="0" bIns="0" anchor="ctr" anchorCtr="1"/>
+            <a:bodyPr lIns="0" rIns="0" tIns="0" bIns="0" anchorCtr="1" anchor="ctr" wrap="none"/>
             <a:lstStyle/>
             <a:p>
-              <a:pPr marL="0" marR="0" indent="0" algn="l">
+              <a:pPr algn="l" marL="0" marR="0" indent="0">
                 <a:lnSpc>
                   <a:spcPts val="770"/>
                 </a:lnSpc>
@@ -4118,33 +3838,24 @@
                       <a:alpha val="100000"/>
                     </a:srgbClr>
                   </a:solidFill>
-                  <a:latin typeface="DejaVu Sans" panose="020B0603030804020204"/>
-                  <a:cs typeface="DejaVu Sans" panose="020B0603030804020204"/>
+                  <a:latin typeface="DejaVu Sans"/>
+                  <a:cs typeface="DejaVu Sans"/>
                 </a:rPr>
                 <a:t>radscore</a:t>
               </a:r>
-              <a:endParaRPr sz="770" b="1">
-                <a:solidFill>
-                  <a:srgbClr val="000000">
-                    <a:alpha val="100000"/>
-                  </a:srgbClr>
-                </a:solidFill>
-                <a:latin typeface="DejaVu Sans" panose="020B0603030804020204"/>
-                <a:cs typeface="DejaVu Sans" panose="020B0603030804020204"/>
-              </a:endParaRPr>
             </a:p>
           </p:txBody>
         </p:sp>
         <p:sp>
           <p:nvSpPr>
-            <p:cNvPr id="51" name="tx50"/>
-            <p:cNvSpPr/>
-            <p:nvPr/>
-          </p:nvSpPr>
-          <p:spPr>
-            <a:xfrm>
-              <a:off x="2256915" y="5421848"/>
-              <a:ext cx="170846" cy="72674"/>
+            <p:cNvPr id="45" name="tx44"/>
+            <p:cNvSpPr/>
+            <p:nvPr/>
+          </p:nvSpPr>
+          <p:spPr>
+            <a:xfrm>
+              <a:off x="2256915" y="5287582"/>
+              <a:ext cx="418042" cy="87094"/>
             </a:xfrm>
             <a:prstGeom prst="rect">
               <a:avLst/>
@@ -4152,10 +3863,240 @@
             <a:noFill/>
           </p:spPr>
           <p:txBody>
-            <a:bodyPr wrap="none" lIns="0" tIns="0" rIns="0" bIns="0" anchor="ctr" anchorCtr="1"/>
+            <a:bodyPr lIns="0" rIns="0" tIns="0" bIns="0" anchorCtr="1" anchor="ctr" wrap="none"/>
             <a:lstStyle/>
             <a:p>
-              <a:pPr marL="0" marR="0" indent="0" algn="l">
+              <a:pPr algn="l" marL="0" marR="0" indent="0">
+                <a:lnSpc>
+                  <a:spcPts val="770"/>
+                </a:lnSpc>
+                <a:spcBef>
+                  <a:spcPts val="0"/>
+                </a:spcBef>
+                <a:spcAft>
+                  <a:spcPts val="0"/>
+                </a:spcAft>
+              </a:pPr>
+              <a:r>
+                <a:rPr sz="770" i="1">
+                  <a:solidFill>
+                    <a:srgbClr val="000000">
+                      <a:alpha val="100000"/>
+                    </a:srgbClr>
+                  </a:solidFill>
+                  <a:latin typeface="DejaVu Sans"/>
+                  <a:cs typeface="DejaVu Sans"/>
+                </a:rPr>
+                <a:t>(N=171)</a:t>
+              </a:r>
+            </a:p>
+          </p:txBody>
+        </p:sp>
+        <p:sp>
+          <p:nvSpPr>
+            <p:cNvPr id="46" name="tx45"/>
+            <p:cNvSpPr/>
+            <p:nvPr/>
+          </p:nvSpPr>
+          <p:spPr>
+            <a:xfrm>
+              <a:off x="2256915" y="4420276"/>
+              <a:ext cx="418042" cy="87094"/>
+            </a:xfrm>
+            <a:prstGeom prst="rect">
+              <a:avLst/>
+            </a:prstGeom>
+            <a:noFill/>
+          </p:spPr>
+          <p:txBody>
+            <a:bodyPr lIns="0" rIns="0" tIns="0" bIns="0" anchorCtr="1" anchor="ctr" wrap="none"/>
+            <a:lstStyle/>
+            <a:p>
+              <a:pPr algn="l" marL="0" marR="0" indent="0">
+                <a:lnSpc>
+                  <a:spcPts val="770"/>
+                </a:lnSpc>
+                <a:spcBef>
+                  <a:spcPts val="0"/>
+                </a:spcBef>
+                <a:spcAft>
+                  <a:spcPts val="0"/>
+                </a:spcAft>
+              </a:pPr>
+              <a:r>
+                <a:rPr sz="770" i="1">
+                  <a:solidFill>
+                    <a:srgbClr val="000000">
+                      <a:alpha val="100000"/>
+                    </a:srgbClr>
+                  </a:solidFill>
+                  <a:latin typeface="DejaVu Sans"/>
+                  <a:cs typeface="DejaVu Sans"/>
+                </a:rPr>
+                <a:t>(N=171)</a:t>
+              </a:r>
+            </a:p>
+          </p:txBody>
+        </p:sp>
+        <p:sp>
+          <p:nvSpPr>
+            <p:cNvPr id="47" name="tx46"/>
+            <p:cNvSpPr/>
+            <p:nvPr/>
+          </p:nvSpPr>
+          <p:spPr>
+            <a:xfrm>
+              <a:off x="2256915" y="3552971"/>
+              <a:ext cx="418042" cy="87094"/>
+            </a:xfrm>
+            <a:prstGeom prst="rect">
+              <a:avLst/>
+            </a:prstGeom>
+            <a:noFill/>
+          </p:spPr>
+          <p:txBody>
+            <a:bodyPr lIns="0" rIns="0" tIns="0" bIns="0" anchorCtr="1" anchor="ctr" wrap="none"/>
+            <a:lstStyle/>
+            <a:p>
+              <a:pPr algn="l" marL="0" marR="0" indent="0">
+                <a:lnSpc>
+                  <a:spcPts val="770"/>
+                </a:lnSpc>
+                <a:spcBef>
+                  <a:spcPts val="0"/>
+                </a:spcBef>
+                <a:spcAft>
+                  <a:spcPts val="0"/>
+                </a:spcAft>
+              </a:pPr>
+              <a:r>
+                <a:rPr sz="770" i="1">
+                  <a:solidFill>
+                    <a:srgbClr val="000000">
+                      <a:alpha val="100000"/>
+                    </a:srgbClr>
+                  </a:solidFill>
+                  <a:latin typeface="DejaVu Sans"/>
+                  <a:cs typeface="DejaVu Sans"/>
+                </a:rPr>
+                <a:t>(N=171)</a:t>
+              </a:r>
+            </a:p>
+          </p:txBody>
+        </p:sp>
+        <p:sp>
+          <p:nvSpPr>
+            <p:cNvPr id="48" name="tx47"/>
+            <p:cNvSpPr/>
+            <p:nvPr/>
+          </p:nvSpPr>
+          <p:spPr>
+            <a:xfrm>
+              <a:off x="2256915" y="2685666"/>
+              <a:ext cx="418042" cy="87094"/>
+            </a:xfrm>
+            <a:prstGeom prst="rect">
+              <a:avLst/>
+            </a:prstGeom>
+            <a:noFill/>
+          </p:spPr>
+          <p:txBody>
+            <a:bodyPr lIns="0" rIns="0" tIns="0" bIns="0" anchorCtr="1" anchor="ctr" wrap="none"/>
+            <a:lstStyle/>
+            <a:p>
+              <a:pPr algn="l" marL="0" marR="0" indent="0">
+                <a:lnSpc>
+                  <a:spcPts val="770"/>
+                </a:lnSpc>
+                <a:spcBef>
+                  <a:spcPts val="0"/>
+                </a:spcBef>
+                <a:spcAft>
+                  <a:spcPts val="0"/>
+                </a:spcAft>
+              </a:pPr>
+              <a:r>
+                <a:rPr sz="770" i="1">
+                  <a:solidFill>
+                    <a:srgbClr val="000000">
+                      <a:alpha val="100000"/>
+                    </a:srgbClr>
+                  </a:solidFill>
+                  <a:latin typeface="DejaVu Sans"/>
+                  <a:cs typeface="DejaVu Sans"/>
+                </a:rPr>
+                <a:t>(N=171)</a:t>
+              </a:r>
+            </a:p>
+          </p:txBody>
+        </p:sp>
+        <p:sp>
+          <p:nvSpPr>
+            <p:cNvPr id="49" name="tx48"/>
+            <p:cNvSpPr/>
+            <p:nvPr/>
+          </p:nvSpPr>
+          <p:spPr>
+            <a:xfrm>
+              <a:off x="2256915" y="1818360"/>
+              <a:ext cx="418042" cy="87094"/>
+            </a:xfrm>
+            <a:prstGeom prst="rect">
+              <a:avLst/>
+            </a:prstGeom>
+            <a:noFill/>
+          </p:spPr>
+          <p:txBody>
+            <a:bodyPr lIns="0" rIns="0" tIns="0" bIns="0" anchorCtr="1" anchor="ctr" wrap="none"/>
+            <a:lstStyle/>
+            <a:p>
+              <a:pPr algn="l" marL="0" marR="0" indent="0">
+                <a:lnSpc>
+                  <a:spcPts val="770"/>
+                </a:lnSpc>
+                <a:spcBef>
+                  <a:spcPts val="0"/>
+                </a:spcBef>
+                <a:spcAft>
+                  <a:spcPts val="0"/>
+                </a:spcAft>
+              </a:pPr>
+              <a:r>
+                <a:rPr sz="770" i="1">
+                  <a:solidFill>
+                    <a:srgbClr val="000000">
+                      <a:alpha val="100000"/>
+                    </a:srgbClr>
+                  </a:solidFill>
+                  <a:latin typeface="DejaVu Sans"/>
+                  <a:cs typeface="DejaVu Sans"/>
+                </a:rPr>
+                <a:t>(N=171)</a:t>
+              </a:r>
+            </a:p>
+          </p:txBody>
+        </p:sp>
+        <p:sp>
+          <p:nvSpPr>
+            <p:cNvPr id="50" name="tx49"/>
+            <p:cNvSpPr/>
+            <p:nvPr/>
+          </p:nvSpPr>
+          <p:spPr>
+            <a:xfrm>
+              <a:off x="3044129" y="5257939"/>
+              <a:ext cx="248820" cy="73963"/>
+            </a:xfrm>
+            <a:prstGeom prst="rect">
+              <a:avLst/>
+            </a:prstGeom>
+            <a:noFill/>
+          </p:spPr>
+          <p:txBody>
+            <a:bodyPr lIns="0" rIns="0" tIns="0" bIns="0" anchorCtr="1" anchor="ctr" wrap="none"/>
+            <a:lstStyle/>
+            <a:p>
+              <a:pPr algn="l" marL="0" marR="0" indent="0">
                 <a:lnSpc>
                   <a:spcPts val="770"/>
                 </a:lnSpc>
@@ -4173,33 +4114,24 @@
                       <a:alpha val="100000"/>
                     </a:srgbClr>
                   </a:solidFill>
-                  <a:latin typeface="DejaVu Sans" panose="020B0603030804020204"/>
-                  <a:cs typeface="DejaVu Sans" panose="020B0603030804020204"/>
+                  <a:latin typeface="DejaVu Sans"/>
+                  <a:cs typeface="DejaVu Sans"/>
                 </a:rPr>
-                <a:t>Yes</a:t>
+                <a:t> 0.63</a:t>
               </a:r>
-              <a:endParaRPr sz="770">
-                <a:solidFill>
-                  <a:srgbClr val="000000">
-                    <a:alpha val="100000"/>
-                  </a:srgbClr>
-                </a:solidFill>
-                <a:latin typeface="DejaVu Sans" panose="020B0603030804020204"/>
-                <a:cs typeface="DejaVu Sans" panose="020B0603030804020204"/>
-              </a:endParaRPr>
             </a:p>
           </p:txBody>
         </p:sp>
         <p:sp>
           <p:nvSpPr>
-            <p:cNvPr id="52" name="tx51"/>
-            <p:cNvSpPr/>
-            <p:nvPr/>
-          </p:nvSpPr>
-          <p:spPr>
-            <a:xfrm>
-              <a:off x="2256915" y="4879782"/>
-              <a:ext cx="132981" cy="72674"/>
+            <p:cNvPr id="51" name="tx50"/>
+            <p:cNvSpPr/>
+            <p:nvPr/>
+          </p:nvSpPr>
+          <p:spPr>
+            <a:xfrm>
+              <a:off x="3044129" y="4390634"/>
+              <a:ext cx="248820" cy="73963"/>
             </a:xfrm>
             <a:prstGeom prst="rect">
               <a:avLst/>
@@ -4207,10 +4139,10 @@
             <a:noFill/>
           </p:spPr>
           <p:txBody>
-            <a:bodyPr wrap="none" lIns="0" tIns="0" rIns="0" bIns="0" anchor="ctr" anchorCtr="1"/>
+            <a:bodyPr lIns="0" rIns="0" tIns="0" bIns="0" anchorCtr="1" anchor="ctr" wrap="none"/>
             <a:lstStyle/>
             <a:p>
-              <a:pPr marL="0" marR="0" indent="0" algn="l">
+              <a:pPr algn="l" marL="0" marR="0" indent="0">
                 <a:lnSpc>
                   <a:spcPts val="770"/>
                 </a:lnSpc>
@@ -4228,33 +4160,24 @@
                       <a:alpha val="100000"/>
                     </a:srgbClr>
                   </a:solidFill>
-                  <a:latin typeface="DejaVu Sans" panose="020B0603030804020204"/>
-                  <a:cs typeface="DejaVu Sans" panose="020B0603030804020204"/>
+                  <a:latin typeface="DejaVu Sans"/>
+                  <a:cs typeface="DejaVu Sans"/>
                 </a:rPr>
-                <a:t>No</a:t>
+                <a:t> 1.00</a:t>
               </a:r>
-              <a:endParaRPr sz="770">
-                <a:solidFill>
-                  <a:srgbClr val="000000">
-                    <a:alpha val="100000"/>
-                  </a:srgbClr>
-                </a:solidFill>
-                <a:latin typeface="DejaVu Sans" panose="020B0603030804020204"/>
-                <a:cs typeface="DejaVu Sans" panose="020B0603030804020204"/>
-              </a:endParaRPr>
             </a:p>
           </p:txBody>
         </p:sp>
         <p:sp>
           <p:nvSpPr>
-            <p:cNvPr id="53" name="tx52"/>
-            <p:cNvSpPr/>
-            <p:nvPr/>
-          </p:nvSpPr>
-          <p:spPr>
-            <a:xfrm>
-              <a:off x="2256915" y="3795651"/>
-              <a:ext cx="170846" cy="72674"/>
+            <p:cNvPr id="52" name="tx51"/>
+            <p:cNvSpPr/>
+            <p:nvPr/>
+          </p:nvSpPr>
+          <p:spPr>
+            <a:xfrm>
+              <a:off x="3044129" y="3523328"/>
+              <a:ext cx="248820" cy="73963"/>
             </a:xfrm>
             <a:prstGeom prst="rect">
               <a:avLst/>
@@ -4262,10 +4185,10 @@
             <a:noFill/>
           </p:spPr>
           <p:txBody>
-            <a:bodyPr wrap="none" lIns="0" tIns="0" rIns="0" bIns="0" anchor="ctr" anchorCtr="1"/>
+            <a:bodyPr lIns="0" rIns="0" tIns="0" bIns="0" anchorCtr="1" anchor="ctr" wrap="none"/>
             <a:lstStyle/>
             <a:p>
-              <a:pPr marL="0" marR="0" indent="0" algn="l">
+              <a:pPr algn="l" marL="0" marR="0" indent="0">
                 <a:lnSpc>
                   <a:spcPts val="770"/>
                 </a:lnSpc>
@@ -4283,33 +4206,24 @@
                       <a:alpha val="100000"/>
                     </a:srgbClr>
                   </a:solidFill>
-                  <a:latin typeface="DejaVu Sans" panose="020B0603030804020204"/>
-                  <a:cs typeface="DejaVu Sans" panose="020B0603030804020204"/>
+                  <a:latin typeface="DejaVu Sans"/>
+                  <a:cs typeface="DejaVu Sans"/>
                 </a:rPr>
-                <a:t>Yes</a:t>
+                <a:t> 2.97</a:t>
               </a:r>
-              <a:endParaRPr sz="770">
-                <a:solidFill>
-                  <a:srgbClr val="000000">
-                    <a:alpha val="100000"/>
-                  </a:srgbClr>
-                </a:solidFill>
-                <a:latin typeface="DejaVu Sans" panose="020B0603030804020204"/>
-                <a:cs typeface="DejaVu Sans" panose="020B0603030804020204"/>
-              </a:endParaRPr>
             </a:p>
           </p:txBody>
         </p:sp>
         <p:sp>
           <p:nvSpPr>
-            <p:cNvPr id="54" name="tx53"/>
-            <p:cNvSpPr/>
-            <p:nvPr/>
-          </p:nvSpPr>
-          <p:spPr>
-            <a:xfrm>
-              <a:off x="2256915" y="3253585"/>
-              <a:ext cx="132981" cy="72674"/>
+            <p:cNvPr id="53" name="tx52"/>
+            <p:cNvSpPr/>
+            <p:nvPr/>
+          </p:nvSpPr>
+          <p:spPr>
+            <a:xfrm>
+              <a:off x="3044129" y="2656023"/>
+              <a:ext cx="248820" cy="73963"/>
             </a:xfrm>
             <a:prstGeom prst="rect">
               <a:avLst/>
@@ -4317,10 +4231,10 @@
             <a:noFill/>
           </p:spPr>
           <p:txBody>
-            <a:bodyPr wrap="none" lIns="0" tIns="0" rIns="0" bIns="0" anchor="ctr" anchorCtr="1"/>
+            <a:bodyPr lIns="0" rIns="0" tIns="0" bIns="0" anchorCtr="1" anchor="ctr" wrap="none"/>
             <a:lstStyle/>
             <a:p>
-              <a:pPr marL="0" marR="0" indent="0" algn="l">
+              <a:pPr algn="l" marL="0" marR="0" indent="0">
                 <a:lnSpc>
                   <a:spcPts val="770"/>
                 </a:lnSpc>
@@ -4338,33 +4252,24 @@
                       <a:alpha val="100000"/>
                     </a:srgbClr>
                   </a:solidFill>
-                  <a:latin typeface="DejaVu Sans" panose="020B0603030804020204"/>
-                  <a:cs typeface="DejaVu Sans" panose="020B0603030804020204"/>
+                  <a:latin typeface="DejaVu Sans"/>
+                  <a:cs typeface="DejaVu Sans"/>
                 </a:rPr>
-                <a:t>No</a:t>
+                <a:t> 2.58</a:t>
               </a:r>
-              <a:endParaRPr sz="770">
-                <a:solidFill>
-                  <a:srgbClr val="000000">
-                    <a:alpha val="100000"/>
-                  </a:srgbClr>
-                </a:solidFill>
-                <a:latin typeface="DejaVu Sans" panose="020B0603030804020204"/>
-                <a:cs typeface="DejaVu Sans" panose="020B0603030804020204"/>
-              </a:endParaRPr>
             </a:p>
           </p:txBody>
         </p:sp>
         <p:sp>
           <p:nvSpPr>
-            <p:cNvPr id="55" name="tx54"/>
-            <p:cNvSpPr/>
-            <p:nvPr/>
-          </p:nvSpPr>
-          <p:spPr>
-            <a:xfrm>
-              <a:off x="2256915" y="2711519"/>
-              <a:ext cx="170846" cy="72674"/>
+            <p:cNvPr id="54" name="tx53"/>
+            <p:cNvSpPr/>
+            <p:nvPr/>
+          </p:nvSpPr>
+          <p:spPr>
+            <a:xfrm>
+              <a:off x="3028563" y="1790102"/>
+              <a:ext cx="279952" cy="72578"/>
             </a:xfrm>
             <a:prstGeom prst="rect">
               <a:avLst/>
@@ -4372,10 +4277,10 @@
             <a:noFill/>
           </p:spPr>
           <p:txBody>
-            <a:bodyPr wrap="none" lIns="0" tIns="0" rIns="0" bIns="0" anchor="ctr" anchorCtr="1"/>
+            <a:bodyPr lIns="0" rIns="0" tIns="0" bIns="0" anchorCtr="1" anchor="ctr" wrap="none"/>
             <a:lstStyle/>
             <a:p>
-              <a:pPr marL="0" marR="0" indent="0" algn="l">
+              <a:pPr algn="l" marL="0" marR="0" indent="0">
                 <a:lnSpc>
                   <a:spcPts val="770"/>
                 </a:lnSpc>
@@ -4393,33 +4298,24 @@
                       <a:alpha val="100000"/>
                     </a:srgbClr>
                   </a:solidFill>
-                  <a:latin typeface="DejaVu Sans" panose="020B0603030804020204"/>
-                  <a:cs typeface="DejaVu Sans" panose="020B0603030804020204"/>
+                  <a:latin typeface="DejaVu Sans"/>
+                  <a:cs typeface="DejaVu Sans"/>
                 </a:rPr>
-                <a:t>Yes</a:t>
+                <a:t>11.42</a:t>
               </a:r>
-              <a:endParaRPr sz="770">
-                <a:solidFill>
-                  <a:srgbClr val="000000">
-                    <a:alpha val="100000"/>
-                  </a:srgbClr>
-                </a:solidFill>
-                <a:latin typeface="DejaVu Sans" panose="020B0603030804020204"/>
-                <a:cs typeface="DejaVu Sans" panose="020B0603030804020204"/>
-              </a:endParaRPr>
             </a:p>
           </p:txBody>
         </p:sp>
         <p:sp>
           <p:nvSpPr>
-            <p:cNvPr id="56" name="tx55"/>
-            <p:cNvSpPr/>
-            <p:nvPr/>
-          </p:nvSpPr>
-          <p:spPr>
-            <a:xfrm>
-              <a:off x="2256915" y="2169453"/>
-              <a:ext cx="132981" cy="72674"/>
+            <p:cNvPr id="55" name="tx54"/>
+            <p:cNvSpPr/>
+            <p:nvPr/>
+          </p:nvSpPr>
+          <p:spPr>
+            <a:xfrm>
+              <a:off x="2879490" y="5330355"/>
+              <a:ext cx="578097" cy="87094"/>
             </a:xfrm>
             <a:prstGeom prst="rect">
               <a:avLst/>
@@ -4427,65 +4323,10 @@
             <a:noFill/>
           </p:spPr>
           <p:txBody>
-            <a:bodyPr wrap="none" lIns="0" tIns="0" rIns="0" bIns="0" anchor="ctr" anchorCtr="1"/>
+            <a:bodyPr lIns="0" rIns="0" tIns="0" bIns="0" anchorCtr="1" anchor="ctr" wrap="none"/>
             <a:lstStyle/>
             <a:p>
-              <a:pPr marL="0" marR="0" indent="0" algn="l">
-                <a:lnSpc>
-                  <a:spcPts val="770"/>
-                </a:lnSpc>
-                <a:spcBef>
-                  <a:spcPts val="0"/>
-                </a:spcBef>
-                <a:spcAft>
-                  <a:spcPts val="0"/>
-                </a:spcAft>
-              </a:pPr>
-              <a:r>
-                <a:rPr sz="770">
-                  <a:solidFill>
-                    <a:srgbClr val="000000">
-                      <a:alpha val="100000"/>
-                    </a:srgbClr>
-                  </a:solidFill>
-                  <a:latin typeface="DejaVu Sans" panose="020B0603030804020204"/>
-                  <a:cs typeface="DejaVu Sans" panose="020B0603030804020204"/>
-                </a:rPr>
-                <a:t>No</a:t>
-              </a:r>
-              <a:endParaRPr sz="770">
-                <a:solidFill>
-                  <a:srgbClr val="000000">
-                    <a:alpha val="100000"/>
-                  </a:srgbClr>
-                </a:solidFill>
-                <a:latin typeface="DejaVu Sans" panose="020B0603030804020204"/>
-                <a:cs typeface="DejaVu Sans" panose="020B0603030804020204"/>
-              </a:endParaRPr>
-            </a:p>
-          </p:txBody>
-        </p:sp>
-        <p:sp>
-          <p:nvSpPr>
-            <p:cNvPr id="57" name="tx56"/>
-            <p:cNvSpPr/>
-            <p:nvPr/>
-          </p:nvSpPr>
-          <p:spPr>
-            <a:xfrm>
-              <a:off x="2256915" y="5492975"/>
-              <a:ext cx="355825" cy="87094"/>
-            </a:xfrm>
-            <a:prstGeom prst="rect">
-              <a:avLst/>
-            </a:prstGeom>
-            <a:noFill/>
-          </p:spPr>
-          <p:txBody>
-            <a:bodyPr wrap="none" lIns="0" tIns="0" rIns="0" bIns="0" anchor="ctr" anchorCtr="1"/>
-            <a:lstStyle/>
-            <a:p>
-              <a:pPr marL="0" marR="0" indent="0" algn="l">
+              <a:pPr algn="l" marL="0" marR="0" indent="0">
                 <a:lnSpc>
                   <a:spcPts val="770"/>
                 </a:lnSpc>
@@ -4503,33 +4344,24 @@
                       <a:alpha val="100000"/>
                     </a:srgbClr>
                   </a:solidFill>
-                  <a:latin typeface="DejaVu Sans" panose="020B0603030804020204"/>
-                  <a:cs typeface="DejaVu Sans" panose="020B0603030804020204"/>
+                  <a:latin typeface="DejaVu Sans"/>
+                  <a:cs typeface="DejaVu Sans"/>
                 </a:rPr>
-                <a:t>(N=46)</a:t>
+                <a:t>(0.27 -  1.5)</a:t>
               </a:r>
-              <a:endParaRPr sz="770" i="1">
-                <a:solidFill>
-                  <a:srgbClr val="000000">
-                    <a:alpha val="100000"/>
-                  </a:srgbClr>
-                </a:solidFill>
-                <a:latin typeface="DejaVu Sans" panose="020B0603030804020204"/>
-                <a:cs typeface="DejaVu Sans" panose="020B0603030804020204"/>
-              </a:endParaRPr>
             </a:p>
           </p:txBody>
         </p:sp>
         <p:sp>
           <p:nvSpPr>
-            <p:cNvPr id="58" name="tx57"/>
-            <p:cNvSpPr/>
-            <p:nvPr/>
-          </p:nvSpPr>
-          <p:spPr>
-            <a:xfrm>
-              <a:off x="2256915" y="4950909"/>
-              <a:ext cx="418042" cy="87094"/>
+            <p:cNvPr id="56" name="tx55"/>
+            <p:cNvSpPr/>
+            <p:nvPr/>
+          </p:nvSpPr>
+          <p:spPr>
+            <a:xfrm>
+              <a:off x="2879490" y="4463050"/>
+              <a:ext cx="578097" cy="87094"/>
             </a:xfrm>
             <a:prstGeom prst="rect">
               <a:avLst/>
@@ -4537,10 +4369,10 @@
             <a:noFill/>
           </p:spPr>
           <p:txBody>
-            <a:bodyPr wrap="none" lIns="0" tIns="0" rIns="0" bIns="0" anchor="ctr" anchorCtr="1"/>
+            <a:bodyPr lIns="0" rIns="0" tIns="0" bIns="0" anchorCtr="1" anchor="ctr" wrap="none"/>
             <a:lstStyle/>
             <a:p>
-              <a:pPr marL="0" marR="0" indent="0" algn="l">
+              <a:pPr algn="l" marL="0" marR="0" indent="0">
                 <a:lnSpc>
                   <a:spcPts val="770"/>
                 </a:lnSpc>
@@ -4558,33 +4390,24 @@
                       <a:alpha val="100000"/>
                     </a:srgbClr>
                   </a:solidFill>
-                  <a:latin typeface="DejaVu Sans" panose="020B0603030804020204"/>
-                  <a:cs typeface="DejaVu Sans" panose="020B0603030804020204"/>
+                  <a:latin typeface="DejaVu Sans"/>
+                  <a:cs typeface="DejaVu Sans"/>
                 </a:rPr>
-                <a:t>(N=125)</a:t>
+                <a:t>(1.00 -  1.0)</a:t>
               </a:r>
-              <a:endParaRPr sz="770" i="1">
-                <a:solidFill>
-                  <a:srgbClr val="000000">
-                    <a:alpha val="100000"/>
-                  </a:srgbClr>
-                </a:solidFill>
-                <a:latin typeface="DejaVu Sans" panose="020B0603030804020204"/>
-                <a:cs typeface="DejaVu Sans" panose="020B0603030804020204"/>
-              </a:endParaRPr>
             </a:p>
           </p:txBody>
         </p:sp>
         <p:sp>
           <p:nvSpPr>
-            <p:cNvPr id="59" name="tx58"/>
-            <p:cNvSpPr/>
-            <p:nvPr/>
-          </p:nvSpPr>
-          <p:spPr>
-            <a:xfrm>
-              <a:off x="2256915" y="4366070"/>
-              <a:ext cx="418042" cy="87094"/>
+            <p:cNvPr id="57" name="tx56"/>
+            <p:cNvSpPr/>
+            <p:nvPr/>
+          </p:nvSpPr>
+          <p:spPr>
+            <a:xfrm>
+              <a:off x="2879490" y="3595745"/>
+              <a:ext cx="578097" cy="87094"/>
             </a:xfrm>
             <a:prstGeom prst="rect">
               <a:avLst/>
@@ -4592,10 +4415,10 @@
             <a:noFill/>
           </p:spPr>
           <p:txBody>
-            <a:bodyPr wrap="none" lIns="0" tIns="0" rIns="0" bIns="0" anchor="ctr" anchorCtr="1"/>
+            <a:bodyPr lIns="0" rIns="0" tIns="0" bIns="0" anchorCtr="1" anchor="ctr" wrap="none"/>
             <a:lstStyle/>
             <a:p>
-              <a:pPr marL="0" marR="0" indent="0" algn="l">
+              <a:pPr algn="l" marL="0" marR="0" indent="0">
                 <a:lnSpc>
                   <a:spcPts val="770"/>
                 </a:lnSpc>
@@ -4613,33 +4436,24 @@
                       <a:alpha val="100000"/>
                     </a:srgbClr>
                   </a:solidFill>
-                  <a:latin typeface="DejaVu Sans" panose="020B0603030804020204"/>
-                  <a:cs typeface="DejaVu Sans" panose="020B0603030804020204"/>
+                  <a:latin typeface="DejaVu Sans"/>
+                  <a:cs typeface="DejaVu Sans"/>
                 </a:rPr>
-                <a:t>(N=171)</a:t>
+                <a:t>(1.03 -  8.5)</a:t>
               </a:r>
-              <a:endParaRPr sz="770" i="1">
-                <a:solidFill>
-                  <a:srgbClr val="000000">
-                    <a:alpha val="100000"/>
-                  </a:srgbClr>
-                </a:solidFill>
-                <a:latin typeface="DejaVu Sans" panose="020B0603030804020204"/>
-                <a:cs typeface="DejaVu Sans" panose="020B0603030804020204"/>
-              </a:endParaRPr>
             </a:p>
           </p:txBody>
         </p:sp>
         <p:sp>
           <p:nvSpPr>
-            <p:cNvPr id="60" name="tx59"/>
-            <p:cNvSpPr/>
-            <p:nvPr/>
-          </p:nvSpPr>
-          <p:spPr>
-            <a:xfrm>
-              <a:off x="2256915" y="3866778"/>
-              <a:ext cx="293608" cy="87094"/>
+            <p:cNvPr id="58" name="tx57"/>
+            <p:cNvSpPr/>
+            <p:nvPr/>
+          </p:nvSpPr>
+          <p:spPr>
+            <a:xfrm>
+              <a:off x="2879490" y="2728439"/>
+              <a:ext cx="578097" cy="87094"/>
             </a:xfrm>
             <a:prstGeom prst="rect">
               <a:avLst/>
@@ -4647,10 +4461,10 @@
             <a:noFill/>
           </p:spPr>
           <p:txBody>
-            <a:bodyPr wrap="none" lIns="0" tIns="0" rIns="0" bIns="0" anchor="ctr" anchorCtr="1"/>
+            <a:bodyPr lIns="0" rIns="0" tIns="0" bIns="0" anchorCtr="1" anchor="ctr" wrap="none"/>
             <a:lstStyle/>
             <a:p>
-              <a:pPr marL="0" marR="0" indent="0" algn="l">
+              <a:pPr algn="l" marL="0" marR="0" indent="0">
                 <a:lnSpc>
                   <a:spcPts val="770"/>
                 </a:lnSpc>
@@ -4668,33 +4482,24 @@
                       <a:alpha val="100000"/>
                     </a:srgbClr>
                   </a:solidFill>
-                  <a:latin typeface="DejaVu Sans" panose="020B0603030804020204"/>
-                  <a:cs typeface="DejaVu Sans" panose="020B0603030804020204"/>
+                  <a:latin typeface="DejaVu Sans"/>
+                  <a:cs typeface="DejaVu Sans"/>
                 </a:rPr>
-                <a:t>(N=8)</a:t>
+                <a:t>(1.13 -  5.9)</a:t>
               </a:r>
-              <a:endParaRPr sz="770" i="1">
-                <a:solidFill>
-                  <a:srgbClr val="000000">
-                    <a:alpha val="100000"/>
-                  </a:srgbClr>
-                </a:solidFill>
-                <a:latin typeface="DejaVu Sans" panose="020B0603030804020204"/>
-                <a:cs typeface="DejaVu Sans" panose="020B0603030804020204"/>
-              </a:endParaRPr>
             </a:p>
           </p:txBody>
         </p:sp>
         <p:sp>
           <p:nvSpPr>
-            <p:cNvPr id="61" name="tx60"/>
-            <p:cNvSpPr/>
-            <p:nvPr/>
-          </p:nvSpPr>
-          <p:spPr>
-            <a:xfrm>
-              <a:off x="2256915" y="3324712"/>
-              <a:ext cx="418042" cy="87094"/>
+            <p:cNvPr id="59" name="tx58"/>
+            <p:cNvSpPr/>
+            <p:nvPr/>
+          </p:nvSpPr>
+          <p:spPr>
+            <a:xfrm>
+              <a:off x="2863924" y="1861134"/>
+              <a:ext cx="609229" cy="87094"/>
             </a:xfrm>
             <a:prstGeom prst="rect">
               <a:avLst/>
@@ -4702,10 +4507,10 @@
             <a:noFill/>
           </p:spPr>
           <p:txBody>
-            <a:bodyPr wrap="none" lIns="0" tIns="0" rIns="0" bIns="0" anchor="ctr" anchorCtr="1"/>
+            <a:bodyPr lIns="0" rIns="0" tIns="0" bIns="0" anchorCtr="1" anchor="ctr" wrap="none"/>
             <a:lstStyle/>
             <a:p>
-              <a:pPr marL="0" marR="0" indent="0" algn="l">
+              <a:pPr algn="l" marL="0" marR="0" indent="0">
                 <a:lnSpc>
                   <a:spcPts val="770"/>
                 </a:lnSpc>
@@ -4723,33 +4528,24 @@
                       <a:alpha val="100000"/>
                     </a:srgbClr>
                   </a:solidFill>
-                  <a:latin typeface="DejaVu Sans" panose="020B0603030804020204"/>
-                  <a:cs typeface="DejaVu Sans" panose="020B0603030804020204"/>
+                  <a:latin typeface="DejaVu Sans"/>
+                  <a:cs typeface="DejaVu Sans"/>
                 </a:rPr>
-                <a:t>(N=163)</a:t>
+                <a:t>(3.94 - 33.1)</a:t>
               </a:r>
-              <a:endParaRPr sz="770" i="1">
-                <a:solidFill>
-                  <a:srgbClr val="000000">
-                    <a:alpha val="100000"/>
-                  </a:srgbClr>
-                </a:solidFill>
-                <a:latin typeface="DejaVu Sans" panose="020B0603030804020204"/>
-                <a:cs typeface="DejaVu Sans" panose="020B0603030804020204"/>
-              </a:endParaRPr>
             </a:p>
           </p:txBody>
         </p:sp>
         <p:sp>
           <p:nvSpPr>
-            <p:cNvPr id="62" name="tx61"/>
-            <p:cNvSpPr/>
-            <p:nvPr/>
-          </p:nvSpPr>
-          <p:spPr>
-            <a:xfrm>
-              <a:off x="2256915" y="2782646"/>
-              <a:ext cx="418042" cy="87094"/>
+            <p:cNvPr id="60" name="tx59"/>
+            <p:cNvSpPr/>
+            <p:nvPr/>
+          </p:nvSpPr>
+          <p:spPr>
+            <a:xfrm>
+              <a:off x="5916151" y="5300713"/>
+              <a:ext cx="311037" cy="73963"/>
             </a:xfrm>
             <a:prstGeom prst="rect">
               <a:avLst/>
@@ -4757,10 +4553,10 @@
             <a:noFill/>
           </p:spPr>
           <p:txBody>
-            <a:bodyPr wrap="none" lIns="0" tIns="0" rIns="0" bIns="0" anchor="ctr" anchorCtr="1"/>
+            <a:bodyPr lIns="0" rIns="0" tIns="0" bIns="0" anchorCtr="1" anchor="ctr" wrap="none"/>
             <a:lstStyle/>
             <a:p>
-              <a:pPr marL="0" marR="0" indent="0" algn="l">
+              <a:pPr algn="l" marL="0" marR="0" indent="0">
                 <a:lnSpc>
                   <a:spcPts val="770"/>
                 </a:lnSpc>
@@ -4778,33 +4574,24 @@
                       <a:alpha val="100000"/>
                     </a:srgbClr>
                   </a:solidFill>
-                  <a:latin typeface="DejaVu Sans" panose="020B0603030804020204"/>
-                  <a:cs typeface="DejaVu Sans" panose="020B0603030804020204"/>
+                  <a:latin typeface="DejaVu Sans"/>
+                  <a:cs typeface="DejaVu Sans"/>
                 </a:rPr>
-                <a:t>(N=109)</a:t>
+                <a:t>0.282 </a:t>
               </a:r>
-              <a:endParaRPr sz="770" i="1">
-                <a:solidFill>
-                  <a:srgbClr val="000000">
-                    <a:alpha val="100000"/>
-                  </a:srgbClr>
-                </a:solidFill>
-                <a:latin typeface="DejaVu Sans" panose="020B0603030804020204"/>
-                <a:cs typeface="DejaVu Sans" panose="020B0603030804020204"/>
-              </a:endParaRPr>
             </a:p>
           </p:txBody>
         </p:sp>
         <p:sp>
           <p:nvSpPr>
-            <p:cNvPr id="63" name="tx62"/>
-            <p:cNvSpPr/>
-            <p:nvPr/>
-          </p:nvSpPr>
-          <p:spPr>
-            <a:xfrm>
-              <a:off x="2256915" y="2240580"/>
-              <a:ext cx="355825" cy="87094"/>
+            <p:cNvPr id="61" name="tx60"/>
+            <p:cNvSpPr/>
+            <p:nvPr/>
+          </p:nvSpPr>
+          <p:spPr>
+            <a:xfrm>
+              <a:off x="5916151" y="4433407"/>
+              <a:ext cx="311037" cy="73963"/>
             </a:xfrm>
             <a:prstGeom prst="rect">
               <a:avLst/>
@@ -4812,10 +4599,10 @@
             <a:noFill/>
           </p:spPr>
           <p:txBody>
-            <a:bodyPr wrap="none" lIns="0" tIns="0" rIns="0" bIns="0" anchor="ctr" anchorCtr="1"/>
+            <a:bodyPr lIns="0" rIns="0" tIns="0" bIns="0" anchorCtr="1" anchor="ctr" wrap="none"/>
             <a:lstStyle/>
             <a:p>
-              <a:pPr marL="0" marR="0" indent="0" algn="l">
+              <a:pPr algn="l" marL="0" marR="0" indent="0">
                 <a:lnSpc>
                   <a:spcPts val="770"/>
                 </a:lnSpc>
@@ -4833,33 +4620,24 @@
                       <a:alpha val="100000"/>
                     </a:srgbClr>
                   </a:solidFill>
-                  <a:latin typeface="DejaVu Sans" panose="020B0603030804020204"/>
-                  <a:cs typeface="DejaVu Sans" panose="020B0603030804020204"/>
+                  <a:latin typeface="DejaVu Sans"/>
+                  <a:cs typeface="DejaVu Sans"/>
                 </a:rPr>
-                <a:t>(N=62)</a:t>
+                <a:t>0.143 </a:t>
               </a:r>
-              <a:endParaRPr sz="770" i="1">
-                <a:solidFill>
-                  <a:srgbClr val="000000">
-                    <a:alpha val="100000"/>
-                  </a:srgbClr>
-                </a:solidFill>
-                <a:latin typeface="DejaVu Sans" panose="020B0603030804020204"/>
-                <a:cs typeface="DejaVu Sans" panose="020B0603030804020204"/>
-              </a:endParaRPr>
             </a:p>
           </p:txBody>
         </p:sp>
         <p:sp>
           <p:nvSpPr>
-            <p:cNvPr id="64" name="tx63"/>
-            <p:cNvSpPr/>
-            <p:nvPr/>
-          </p:nvSpPr>
-          <p:spPr>
-            <a:xfrm>
-              <a:off x="2256915" y="1655740"/>
-              <a:ext cx="418042" cy="87094"/>
+            <p:cNvPr id="62" name="tx61"/>
+            <p:cNvSpPr/>
+            <p:nvPr/>
+          </p:nvSpPr>
+          <p:spPr>
+            <a:xfrm>
+              <a:off x="5925930" y="3566102"/>
+              <a:ext cx="359932" cy="73963"/>
             </a:xfrm>
             <a:prstGeom prst="rect">
               <a:avLst/>
@@ -4867,10 +4645,10 @@
             <a:noFill/>
           </p:spPr>
           <p:txBody>
-            <a:bodyPr wrap="none" lIns="0" tIns="0" rIns="0" bIns="0" anchor="ctr" anchorCtr="1"/>
+            <a:bodyPr lIns="0" rIns="0" tIns="0" bIns="0" anchorCtr="1" anchor="ctr" wrap="none"/>
             <a:lstStyle/>
             <a:p>
-              <a:pPr marL="0" marR="0" indent="0" algn="l">
+              <a:pPr algn="l" marL="0" marR="0" indent="0">
                 <a:lnSpc>
                   <a:spcPts val="770"/>
                 </a:lnSpc>
@@ -4888,33 +4666,24 @@
                       <a:alpha val="100000"/>
                     </a:srgbClr>
                   </a:solidFill>
-                  <a:latin typeface="DejaVu Sans" panose="020B0603030804020204"/>
-                  <a:cs typeface="DejaVu Sans" panose="020B0603030804020204"/>
+                  <a:latin typeface="DejaVu Sans"/>
+                  <a:cs typeface="DejaVu Sans"/>
                 </a:rPr>
-                <a:t>(N=171)</a:t>
+                <a:t>0.044 *</a:t>
               </a:r>
-              <a:endParaRPr sz="770" i="1">
-                <a:solidFill>
-                  <a:srgbClr val="000000">
-                    <a:alpha val="100000"/>
-                  </a:srgbClr>
-                </a:solidFill>
-                <a:latin typeface="DejaVu Sans" panose="020B0603030804020204"/>
-                <a:cs typeface="DejaVu Sans" panose="020B0603030804020204"/>
-              </a:endParaRPr>
             </a:p>
           </p:txBody>
         </p:sp>
         <p:sp>
           <p:nvSpPr>
-            <p:cNvPr id="65" name="tx64"/>
-            <p:cNvSpPr/>
-            <p:nvPr/>
-          </p:nvSpPr>
-          <p:spPr>
-            <a:xfrm>
-              <a:off x="3044129" y="5420559"/>
-              <a:ext cx="248820" cy="73963"/>
+            <p:cNvPr id="63" name="tx62"/>
+            <p:cNvSpPr/>
+            <p:nvPr/>
+          </p:nvSpPr>
+          <p:spPr>
+            <a:xfrm>
+              <a:off x="5925930" y="2698797"/>
+              <a:ext cx="359932" cy="73963"/>
             </a:xfrm>
             <a:prstGeom prst="rect">
               <a:avLst/>
@@ -4922,450 +4691,10 @@
             <a:noFill/>
           </p:spPr>
           <p:txBody>
-            <a:bodyPr wrap="none" lIns="0" tIns="0" rIns="0" bIns="0" anchor="ctr" anchorCtr="1"/>
+            <a:bodyPr lIns="0" rIns="0" tIns="0" bIns="0" anchorCtr="1" anchor="ctr" wrap="none"/>
             <a:lstStyle/>
             <a:p>
-              <a:pPr marL="0" marR="0" indent="0" algn="l">
-                <a:lnSpc>
-                  <a:spcPts val="770"/>
-                </a:lnSpc>
-                <a:spcBef>
-                  <a:spcPts val="0"/>
-                </a:spcBef>
-                <a:spcAft>
-                  <a:spcPts val="0"/>
-                </a:spcAft>
-              </a:pPr>
-              <a:r>
-                <a:rPr sz="770">
-                  <a:solidFill>
-                    <a:srgbClr val="000000">
-                      <a:alpha val="100000"/>
-                    </a:srgbClr>
-                  </a:solidFill>
-                  <a:latin typeface="DejaVu Sans" panose="020B0603030804020204"/>
-                  <a:cs typeface="DejaVu Sans" panose="020B0603030804020204"/>
-                </a:rPr>
-                <a:t> 0.63</a:t>
-              </a:r>
-              <a:endParaRPr sz="770">
-                <a:solidFill>
-                  <a:srgbClr val="000000">
-                    <a:alpha val="100000"/>
-                  </a:srgbClr>
-                </a:solidFill>
-                <a:latin typeface="DejaVu Sans" panose="020B0603030804020204"/>
-                <a:cs typeface="DejaVu Sans" panose="020B0603030804020204"/>
-              </a:endParaRPr>
-            </a:p>
-          </p:txBody>
-        </p:sp>
-        <p:sp>
-          <p:nvSpPr>
-            <p:cNvPr id="66" name="tx65"/>
-            <p:cNvSpPr/>
-            <p:nvPr/>
-          </p:nvSpPr>
-          <p:spPr>
-            <a:xfrm>
-              <a:off x="2932921" y="4919548"/>
-              <a:ext cx="471235" cy="75682"/>
-            </a:xfrm>
-            <a:prstGeom prst="rect">
-              <a:avLst/>
-            </a:prstGeom>
-            <a:noFill/>
-          </p:spPr>
-          <p:txBody>
-            <a:bodyPr wrap="none" lIns="0" tIns="0" rIns="0" bIns="0" anchor="ctr" anchorCtr="1"/>
-            <a:lstStyle/>
-            <a:p>
-              <a:pPr marL="0" marR="0" indent="0" algn="l">
-                <a:lnSpc>
-                  <a:spcPts val="770"/>
-                </a:lnSpc>
-                <a:spcBef>
-                  <a:spcPts val="0"/>
-                </a:spcBef>
-                <a:spcAft>
-                  <a:spcPts val="0"/>
-                </a:spcAft>
-              </a:pPr>
-              <a:r>
-                <a:rPr sz="770">
-                  <a:solidFill>
-                    <a:srgbClr val="000000">
-                      <a:alpha val="100000"/>
-                    </a:srgbClr>
-                  </a:solidFill>
-                  <a:latin typeface="DejaVu Sans" panose="020B0603030804020204"/>
-                  <a:cs typeface="DejaVu Sans" panose="020B0603030804020204"/>
-                </a:rPr>
-                <a:t>reference</a:t>
-              </a:r>
-              <a:endParaRPr sz="770">
-                <a:solidFill>
-                  <a:srgbClr val="000000">
-                    <a:alpha val="100000"/>
-                  </a:srgbClr>
-                </a:solidFill>
-                <a:latin typeface="DejaVu Sans" panose="020B0603030804020204"/>
-                <a:cs typeface="DejaVu Sans" panose="020B0603030804020204"/>
-              </a:endParaRPr>
-            </a:p>
-          </p:txBody>
-        </p:sp>
-        <p:sp>
-          <p:nvSpPr>
-            <p:cNvPr id="67" name="tx66"/>
-            <p:cNvSpPr/>
-            <p:nvPr/>
-          </p:nvSpPr>
-          <p:spPr>
-            <a:xfrm>
-              <a:off x="3044129" y="4336427"/>
-              <a:ext cx="248820" cy="73963"/>
-            </a:xfrm>
-            <a:prstGeom prst="rect">
-              <a:avLst/>
-            </a:prstGeom>
-            <a:noFill/>
-          </p:spPr>
-          <p:txBody>
-            <a:bodyPr wrap="none" lIns="0" tIns="0" rIns="0" bIns="0" anchor="ctr" anchorCtr="1"/>
-            <a:lstStyle/>
-            <a:p>
-              <a:pPr marL="0" marR="0" indent="0" algn="l">
-                <a:lnSpc>
-                  <a:spcPts val="770"/>
-                </a:lnSpc>
-                <a:spcBef>
-                  <a:spcPts val="0"/>
-                </a:spcBef>
-                <a:spcAft>
-                  <a:spcPts val="0"/>
-                </a:spcAft>
-              </a:pPr>
-              <a:r>
-                <a:rPr sz="770">
-                  <a:solidFill>
-                    <a:srgbClr val="000000">
-                      <a:alpha val="100000"/>
-                    </a:srgbClr>
-                  </a:solidFill>
-                  <a:latin typeface="DejaVu Sans" panose="020B0603030804020204"/>
-                  <a:cs typeface="DejaVu Sans" panose="020B0603030804020204"/>
-                </a:rPr>
-                <a:t> 1.00</a:t>
-              </a:r>
-              <a:endParaRPr sz="770">
-                <a:solidFill>
-                  <a:srgbClr val="000000">
-                    <a:alpha val="100000"/>
-                  </a:srgbClr>
-                </a:solidFill>
-                <a:latin typeface="DejaVu Sans" panose="020B0603030804020204"/>
-                <a:cs typeface="DejaVu Sans" panose="020B0603030804020204"/>
-              </a:endParaRPr>
-            </a:p>
-          </p:txBody>
-        </p:sp>
-        <p:sp>
-          <p:nvSpPr>
-            <p:cNvPr id="68" name="tx67"/>
-            <p:cNvSpPr/>
-            <p:nvPr/>
-          </p:nvSpPr>
-          <p:spPr>
-            <a:xfrm>
-              <a:off x="3044129" y="3794361"/>
-              <a:ext cx="248820" cy="73963"/>
-            </a:xfrm>
-            <a:prstGeom prst="rect">
-              <a:avLst/>
-            </a:prstGeom>
-            <a:noFill/>
-          </p:spPr>
-          <p:txBody>
-            <a:bodyPr wrap="none" lIns="0" tIns="0" rIns="0" bIns="0" anchor="ctr" anchorCtr="1"/>
-            <a:lstStyle/>
-            <a:p>
-              <a:pPr marL="0" marR="0" indent="0" algn="l">
-                <a:lnSpc>
-                  <a:spcPts val="770"/>
-                </a:lnSpc>
-                <a:spcBef>
-                  <a:spcPts val="0"/>
-                </a:spcBef>
-                <a:spcAft>
-                  <a:spcPts val="0"/>
-                </a:spcAft>
-              </a:pPr>
-              <a:r>
-                <a:rPr sz="770">
-                  <a:solidFill>
-                    <a:srgbClr val="000000">
-                      <a:alpha val="100000"/>
-                    </a:srgbClr>
-                  </a:solidFill>
-                  <a:latin typeface="DejaVu Sans" panose="020B0603030804020204"/>
-                  <a:cs typeface="DejaVu Sans" panose="020B0603030804020204"/>
-                </a:rPr>
-                <a:t> 2.97</a:t>
-              </a:r>
-              <a:endParaRPr sz="770">
-                <a:solidFill>
-                  <a:srgbClr val="000000">
-                    <a:alpha val="100000"/>
-                  </a:srgbClr>
-                </a:solidFill>
-                <a:latin typeface="DejaVu Sans" panose="020B0603030804020204"/>
-                <a:cs typeface="DejaVu Sans" panose="020B0603030804020204"/>
-              </a:endParaRPr>
-            </a:p>
-          </p:txBody>
-        </p:sp>
-        <p:sp>
-          <p:nvSpPr>
-            <p:cNvPr id="69" name="tx68"/>
-            <p:cNvSpPr/>
-            <p:nvPr/>
-          </p:nvSpPr>
-          <p:spPr>
-            <a:xfrm>
-              <a:off x="2932921" y="3293350"/>
-              <a:ext cx="471235" cy="75682"/>
-            </a:xfrm>
-            <a:prstGeom prst="rect">
-              <a:avLst/>
-            </a:prstGeom>
-            <a:noFill/>
-          </p:spPr>
-          <p:txBody>
-            <a:bodyPr wrap="none" lIns="0" tIns="0" rIns="0" bIns="0" anchor="ctr" anchorCtr="1"/>
-            <a:lstStyle/>
-            <a:p>
-              <a:pPr marL="0" marR="0" indent="0" algn="l">
-                <a:lnSpc>
-                  <a:spcPts val="770"/>
-                </a:lnSpc>
-                <a:spcBef>
-                  <a:spcPts val="0"/>
-                </a:spcBef>
-                <a:spcAft>
-                  <a:spcPts val="0"/>
-                </a:spcAft>
-              </a:pPr>
-              <a:r>
-                <a:rPr sz="770">
-                  <a:solidFill>
-                    <a:srgbClr val="000000">
-                      <a:alpha val="100000"/>
-                    </a:srgbClr>
-                  </a:solidFill>
-                  <a:latin typeface="DejaVu Sans" panose="020B0603030804020204"/>
-                  <a:cs typeface="DejaVu Sans" panose="020B0603030804020204"/>
-                </a:rPr>
-                <a:t>reference</a:t>
-              </a:r>
-              <a:endParaRPr sz="770">
-                <a:solidFill>
-                  <a:srgbClr val="000000">
-                    <a:alpha val="100000"/>
-                  </a:srgbClr>
-                </a:solidFill>
-                <a:latin typeface="DejaVu Sans" panose="020B0603030804020204"/>
-                <a:cs typeface="DejaVu Sans" panose="020B0603030804020204"/>
-              </a:endParaRPr>
-            </a:p>
-          </p:txBody>
-        </p:sp>
-        <p:sp>
-          <p:nvSpPr>
-            <p:cNvPr id="70" name="tx69"/>
-            <p:cNvSpPr/>
-            <p:nvPr/>
-          </p:nvSpPr>
-          <p:spPr>
-            <a:xfrm>
-              <a:off x="3044129" y="2710230"/>
-              <a:ext cx="248820" cy="73963"/>
-            </a:xfrm>
-            <a:prstGeom prst="rect">
-              <a:avLst/>
-            </a:prstGeom>
-            <a:noFill/>
-          </p:spPr>
-          <p:txBody>
-            <a:bodyPr wrap="none" lIns="0" tIns="0" rIns="0" bIns="0" anchor="ctr" anchorCtr="1"/>
-            <a:lstStyle/>
-            <a:p>
-              <a:pPr marL="0" marR="0" indent="0" algn="l">
-                <a:lnSpc>
-                  <a:spcPts val="770"/>
-                </a:lnSpc>
-                <a:spcBef>
-                  <a:spcPts val="0"/>
-                </a:spcBef>
-                <a:spcAft>
-                  <a:spcPts val="0"/>
-                </a:spcAft>
-              </a:pPr>
-              <a:r>
-                <a:rPr sz="770">
-                  <a:solidFill>
-                    <a:srgbClr val="000000">
-                      <a:alpha val="100000"/>
-                    </a:srgbClr>
-                  </a:solidFill>
-                  <a:latin typeface="DejaVu Sans" panose="020B0603030804020204"/>
-                  <a:cs typeface="DejaVu Sans" panose="020B0603030804020204"/>
-                </a:rPr>
-                <a:t> 2.58</a:t>
-              </a:r>
-              <a:endParaRPr sz="770">
-                <a:solidFill>
-                  <a:srgbClr val="000000">
-                    <a:alpha val="100000"/>
-                  </a:srgbClr>
-                </a:solidFill>
-                <a:latin typeface="DejaVu Sans" panose="020B0603030804020204"/>
-                <a:cs typeface="DejaVu Sans" panose="020B0603030804020204"/>
-              </a:endParaRPr>
-            </a:p>
-          </p:txBody>
-        </p:sp>
-        <p:sp>
-          <p:nvSpPr>
-            <p:cNvPr id="71" name="tx70"/>
-            <p:cNvSpPr/>
-            <p:nvPr/>
-          </p:nvSpPr>
-          <p:spPr>
-            <a:xfrm>
-              <a:off x="2932921" y="2209218"/>
-              <a:ext cx="471235" cy="75682"/>
-            </a:xfrm>
-            <a:prstGeom prst="rect">
-              <a:avLst/>
-            </a:prstGeom>
-            <a:noFill/>
-          </p:spPr>
-          <p:txBody>
-            <a:bodyPr wrap="none" lIns="0" tIns="0" rIns="0" bIns="0" anchor="ctr" anchorCtr="1"/>
-            <a:lstStyle/>
-            <a:p>
-              <a:pPr marL="0" marR="0" indent="0" algn="l">
-                <a:lnSpc>
-                  <a:spcPts val="770"/>
-                </a:lnSpc>
-                <a:spcBef>
-                  <a:spcPts val="0"/>
-                </a:spcBef>
-                <a:spcAft>
-                  <a:spcPts val="0"/>
-                </a:spcAft>
-              </a:pPr>
-              <a:r>
-                <a:rPr sz="770">
-                  <a:solidFill>
-                    <a:srgbClr val="000000">
-                      <a:alpha val="100000"/>
-                    </a:srgbClr>
-                  </a:solidFill>
-                  <a:latin typeface="DejaVu Sans" panose="020B0603030804020204"/>
-                  <a:cs typeface="DejaVu Sans" panose="020B0603030804020204"/>
-                </a:rPr>
-                <a:t>reference</a:t>
-              </a:r>
-              <a:endParaRPr sz="770">
-                <a:solidFill>
-                  <a:srgbClr val="000000">
-                    <a:alpha val="100000"/>
-                  </a:srgbClr>
-                </a:solidFill>
-                <a:latin typeface="DejaVu Sans" panose="020B0603030804020204"/>
-                <a:cs typeface="DejaVu Sans" panose="020B0603030804020204"/>
-              </a:endParaRPr>
-            </a:p>
-          </p:txBody>
-        </p:sp>
-        <p:sp>
-          <p:nvSpPr>
-            <p:cNvPr id="72" name="tx71"/>
-            <p:cNvSpPr/>
-            <p:nvPr/>
-          </p:nvSpPr>
-          <p:spPr>
-            <a:xfrm>
-              <a:off x="3028563" y="1627483"/>
-              <a:ext cx="279952" cy="72578"/>
-            </a:xfrm>
-            <a:prstGeom prst="rect">
-              <a:avLst/>
-            </a:prstGeom>
-            <a:noFill/>
-          </p:spPr>
-          <p:txBody>
-            <a:bodyPr wrap="none" lIns="0" tIns="0" rIns="0" bIns="0" anchor="ctr" anchorCtr="1"/>
-            <a:lstStyle/>
-            <a:p>
-              <a:pPr marL="0" marR="0" indent="0" algn="l">
-                <a:lnSpc>
-                  <a:spcPts val="770"/>
-                </a:lnSpc>
-                <a:spcBef>
-                  <a:spcPts val="0"/>
-                </a:spcBef>
-                <a:spcAft>
-                  <a:spcPts val="0"/>
-                </a:spcAft>
-              </a:pPr>
-              <a:r>
-                <a:rPr sz="770">
-                  <a:solidFill>
-                    <a:srgbClr val="000000">
-                      <a:alpha val="100000"/>
-                    </a:srgbClr>
-                  </a:solidFill>
-                  <a:latin typeface="DejaVu Sans" panose="020B0603030804020204"/>
-                  <a:cs typeface="DejaVu Sans" panose="020B0603030804020204"/>
-                </a:rPr>
-                <a:t>11.42</a:t>
-              </a:r>
-              <a:endParaRPr sz="770">
-                <a:solidFill>
-                  <a:srgbClr val="000000">
-                    <a:alpha val="100000"/>
-                  </a:srgbClr>
-                </a:solidFill>
-                <a:latin typeface="DejaVu Sans" panose="020B0603030804020204"/>
-                <a:cs typeface="DejaVu Sans" panose="020B0603030804020204"/>
-              </a:endParaRPr>
-            </a:p>
-          </p:txBody>
-        </p:sp>
-        <p:sp>
-          <p:nvSpPr>
-            <p:cNvPr id="73" name="tx72"/>
-            <p:cNvSpPr/>
-            <p:nvPr/>
-          </p:nvSpPr>
-          <p:spPr>
-            <a:xfrm>
-              <a:off x="2879490" y="5492975"/>
-              <a:ext cx="578097" cy="87094"/>
-            </a:xfrm>
-            <a:prstGeom prst="rect">
-              <a:avLst/>
-            </a:prstGeom>
-            <a:noFill/>
-          </p:spPr>
-          <p:txBody>
-            <a:bodyPr wrap="none" lIns="0" tIns="0" rIns="0" bIns="0" anchor="ctr" anchorCtr="1"/>
-            <a:lstStyle/>
-            <a:p>
-              <a:pPr marL="0" marR="0" indent="0" algn="l">
+              <a:pPr algn="l" marL="0" marR="0" indent="0">
                 <a:lnSpc>
                   <a:spcPts val="770"/>
                 </a:lnSpc>
@@ -5383,33 +4712,24 @@
                       <a:alpha val="100000"/>
                     </a:srgbClr>
                   </a:solidFill>
-                  <a:latin typeface="DejaVu Sans" panose="020B0603030804020204"/>
-                  <a:cs typeface="DejaVu Sans" panose="020B0603030804020204"/>
+                  <a:latin typeface="DejaVu Sans"/>
+                  <a:cs typeface="DejaVu Sans"/>
                 </a:rPr>
-                <a:t>(0.27 -  1.5)</a:t>
+                <a:t>0.025 *</a:t>
               </a:r>
-              <a:endParaRPr sz="770" i="1">
-                <a:solidFill>
-                  <a:srgbClr val="000000">
-                    <a:alpha val="100000"/>
-                  </a:srgbClr>
-                </a:solidFill>
-                <a:latin typeface="DejaVu Sans" panose="020B0603030804020204"/>
-                <a:cs typeface="DejaVu Sans" panose="020B0603030804020204"/>
-              </a:endParaRPr>
             </a:p>
           </p:txBody>
         </p:sp>
         <p:sp>
           <p:nvSpPr>
-            <p:cNvPr id="74" name="tx73"/>
-            <p:cNvSpPr/>
-            <p:nvPr/>
-          </p:nvSpPr>
-          <p:spPr>
-            <a:xfrm>
-              <a:off x="2879490" y="4408843"/>
-              <a:ext cx="578097" cy="87094"/>
+            <p:cNvPr id="64" name="tx63"/>
+            <p:cNvSpPr/>
+            <p:nvPr/>
+          </p:nvSpPr>
+          <p:spPr>
+            <a:xfrm>
+              <a:off x="5961875" y="1831491"/>
+              <a:ext cx="539659" cy="73963"/>
             </a:xfrm>
             <a:prstGeom prst="rect">
               <a:avLst/>
@@ -5417,10 +4737,10 @@
             <a:noFill/>
           </p:spPr>
           <p:txBody>
-            <a:bodyPr wrap="none" lIns="0" tIns="0" rIns="0" bIns="0" anchor="ctr" anchorCtr="1"/>
+            <a:bodyPr lIns="0" rIns="0" tIns="0" bIns="0" anchorCtr="1" anchor="ctr" wrap="none"/>
             <a:lstStyle/>
             <a:p>
-              <a:pPr marL="0" marR="0" indent="0" algn="l">
+              <a:pPr algn="l" marL="0" marR="0" indent="0">
                 <a:lnSpc>
                   <a:spcPts val="770"/>
                 </a:lnSpc>
@@ -5438,33 +4758,24 @@
                       <a:alpha val="100000"/>
                     </a:srgbClr>
                   </a:solidFill>
-                  <a:latin typeface="DejaVu Sans" panose="020B0603030804020204"/>
-                  <a:cs typeface="DejaVu Sans" panose="020B0603030804020204"/>
+                  <a:latin typeface="DejaVu Sans"/>
+                  <a:cs typeface="DejaVu Sans"/>
                 </a:rPr>
-                <a:t>(1.00 -  1.0)</a:t>
+                <a:t>&lt;0.001 ***</a:t>
               </a:r>
-              <a:endParaRPr sz="770" i="1">
-                <a:solidFill>
-                  <a:srgbClr val="000000">
-                    <a:alpha val="100000"/>
-                  </a:srgbClr>
-                </a:solidFill>
-                <a:latin typeface="DejaVu Sans" panose="020B0603030804020204"/>
-                <a:cs typeface="DejaVu Sans" panose="020B0603030804020204"/>
-              </a:endParaRPr>
             </a:p>
           </p:txBody>
         </p:sp>
         <p:sp>
           <p:nvSpPr>
-            <p:cNvPr id="75" name="tx74"/>
-            <p:cNvSpPr/>
-            <p:nvPr/>
-          </p:nvSpPr>
-          <p:spPr>
-            <a:xfrm>
-              <a:off x="2879490" y="3866778"/>
-              <a:ext cx="578097" cy="87094"/>
+            <p:cNvPr id="65" name="tx64"/>
+            <p:cNvSpPr/>
+            <p:nvPr/>
+          </p:nvSpPr>
+          <p:spPr>
+            <a:xfrm>
+              <a:off x="1243999" y="5791756"/>
+              <a:ext cx="2626817" cy="94638"/>
             </a:xfrm>
             <a:prstGeom prst="rect">
               <a:avLst/>
@@ -5472,10 +4783,10 @@
             <a:noFill/>
           </p:spPr>
           <p:txBody>
-            <a:bodyPr wrap="none" lIns="0" tIns="0" rIns="0" bIns="0" anchor="ctr" anchorCtr="1"/>
+            <a:bodyPr lIns="0" rIns="0" tIns="0" bIns="0" anchorCtr="1" anchor="ctr" wrap="none"/>
             <a:lstStyle/>
             <a:p>
-              <a:pPr marL="0" marR="0" indent="0" algn="l">
+              <a:pPr algn="l" marL="0" marR="0" indent="0">
                 <a:lnSpc>
                   <a:spcPts val="770"/>
                 </a:lnSpc>
@@ -5493,33 +4804,24 @@
                       <a:alpha val="100000"/>
                     </a:srgbClr>
                   </a:solidFill>
-                  <a:latin typeface="DejaVu Sans" panose="020B0603030804020204"/>
-                  <a:cs typeface="DejaVu Sans" panose="020B0603030804020204"/>
+                  <a:latin typeface="DejaVu Sans"/>
+                  <a:cs typeface="DejaVu Sans"/>
                 </a:rPr>
-                <a:t>(1.03 -  8.5)</a:t>
+                <a:t># Events: 41; Global p-value (Log-Rank): 2.3559e-08 </a:t>
               </a:r>
-              <a:endParaRPr sz="770" i="1">
-                <a:solidFill>
-                  <a:srgbClr val="000000">
-                    <a:alpha val="100000"/>
-                  </a:srgbClr>
-                </a:solidFill>
-                <a:latin typeface="DejaVu Sans" panose="020B0603030804020204"/>
-                <a:cs typeface="DejaVu Sans" panose="020B0603030804020204"/>
-              </a:endParaRPr>
             </a:p>
           </p:txBody>
         </p:sp>
         <p:sp>
           <p:nvSpPr>
-            <p:cNvPr id="76" name="tx75"/>
-            <p:cNvSpPr/>
-            <p:nvPr/>
-          </p:nvSpPr>
-          <p:spPr>
-            <a:xfrm>
-              <a:off x="2879490" y="2782646"/>
-              <a:ext cx="578097" cy="87094"/>
+            <p:cNvPr id="66" name="tx65"/>
+            <p:cNvSpPr/>
+            <p:nvPr/>
+          </p:nvSpPr>
+          <p:spPr>
+            <a:xfrm>
+              <a:off x="1243999" y="5941551"/>
+              <a:ext cx="1797607" cy="85661"/>
             </a:xfrm>
             <a:prstGeom prst="rect">
               <a:avLst/>
@@ -5527,10 +4829,10 @@
             <a:noFill/>
           </p:spPr>
           <p:txBody>
-            <a:bodyPr wrap="none" lIns="0" tIns="0" rIns="0" bIns="0" anchor="ctr" anchorCtr="1"/>
+            <a:bodyPr lIns="0" rIns="0" tIns="0" bIns="0" anchorCtr="1" anchor="ctr" wrap="none"/>
             <a:lstStyle/>
             <a:p>
-              <a:pPr marL="0" marR="0" indent="0" algn="l">
+              <a:pPr algn="l" marL="0" marR="0" indent="0">
                 <a:lnSpc>
                   <a:spcPts val="770"/>
                 </a:lnSpc>
@@ -5548,481 +4850,29 @@
                       <a:alpha val="100000"/>
                     </a:srgbClr>
                   </a:solidFill>
-                  <a:latin typeface="DejaVu Sans" panose="020B0603030804020204"/>
-                  <a:cs typeface="DejaVu Sans" panose="020B0603030804020204"/>
+                  <a:latin typeface="DejaVu Sans"/>
+                  <a:cs typeface="DejaVu Sans"/>
                 </a:rPr>
-                <a:t>(1.13 -  5.9)</a:t>
+                <a:t>AIC: 357.1; Concordance Index: 0.78</a:t>
               </a:r>
-              <a:endParaRPr sz="770" i="1">
-                <a:solidFill>
-                  <a:srgbClr val="000000">
-                    <a:alpha val="100000"/>
-                  </a:srgbClr>
-                </a:solidFill>
-                <a:latin typeface="DejaVu Sans" panose="020B0603030804020204"/>
-                <a:cs typeface="DejaVu Sans" panose="020B0603030804020204"/>
-              </a:endParaRPr>
             </a:p>
           </p:txBody>
         </p:sp>
         <p:sp>
           <p:nvSpPr>
-            <p:cNvPr id="77" name="tx76"/>
-            <p:cNvSpPr/>
-            <p:nvPr/>
-          </p:nvSpPr>
-          <p:spPr>
-            <a:xfrm>
-              <a:off x="2863924" y="1698514"/>
-              <a:ext cx="609229" cy="87094"/>
-            </a:xfrm>
-            <a:prstGeom prst="rect">
-              <a:avLst/>
-            </a:prstGeom>
-            <a:noFill/>
-          </p:spPr>
-          <p:txBody>
-            <a:bodyPr wrap="none" lIns="0" tIns="0" rIns="0" bIns="0" anchor="ctr" anchorCtr="1"/>
-            <a:lstStyle/>
-            <a:p>
-              <a:pPr marL="0" marR="0" indent="0" algn="l">
-                <a:lnSpc>
-                  <a:spcPts val="770"/>
-                </a:lnSpc>
-                <a:spcBef>
-                  <a:spcPts val="0"/>
-                </a:spcBef>
-                <a:spcAft>
-                  <a:spcPts val="0"/>
-                </a:spcAft>
-              </a:pPr>
-              <a:r>
-                <a:rPr sz="770" i="1">
-                  <a:solidFill>
-                    <a:srgbClr val="000000">
-                      <a:alpha val="100000"/>
-                    </a:srgbClr>
-                  </a:solidFill>
-                  <a:latin typeface="DejaVu Sans" panose="020B0603030804020204"/>
-                  <a:cs typeface="DejaVu Sans" panose="020B0603030804020204"/>
-                </a:rPr>
-                <a:t>(3.94 - 33.1)</a:t>
-              </a:r>
-              <a:endParaRPr sz="770" i="1">
-                <a:solidFill>
-                  <a:srgbClr val="000000">
-                    <a:alpha val="100000"/>
-                  </a:srgbClr>
-                </a:solidFill>
-                <a:latin typeface="DejaVu Sans" panose="020B0603030804020204"/>
-                <a:cs typeface="DejaVu Sans" panose="020B0603030804020204"/>
-              </a:endParaRPr>
-            </a:p>
-          </p:txBody>
-        </p:sp>
-        <p:sp>
-          <p:nvSpPr>
-            <p:cNvPr id="78" name="tx77"/>
-            <p:cNvSpPr/>
-            <p:nvPr/>
-          </p:nvSpPr>
-          <p:spPr>
-            <a:xfrm>
-              <a:off x="5916151" y="5463333"/>
-              <a:ext cx="311037" cy="73963"/>
-            </a:xfrm>
-            <a:prstGeom prst="rect">
-              <a:avLst/>
-            </a:prstGeom>
-            <a:noFill/>
-          </p:spPr>
-          <p:txBody>
-            <a:bodyPr wrap="none" lIns="0" tIns="0" rIns="0" bIns="0" anchor="ctr" anchorCtr="1"/>
-            <a:lstStyle/>
-            <a:p>
-              <a:pPr marL="0" marR="0" indent="0" algn="l">
-                <a:lnSpc>
-                  <a:spcPts val="770"/>
-                </a:lnSpc>
-                <a:spcBef>
-                  <a:spcPts val="0"/>
-                </a:spcBef>
-                <a:spcAft>
-                  <a:spcPts val="0"/>
-                </a:spcAft>
-              </a:pPr>
-              <a:r>
-                <a:rPr sz="770" i="1">
-                  <a:solidFill>
-                    <a:srgbClr val="000000">
-                      <a:alpha val="100000"/>
-                    </a:srgbClr>
-                  </a:solidFill>
-                  <a:latin typeface="DejaVu Sans" panose="020B0603030804020204"/>
-                  <a:cs typeface="DejaVu Sans" panose="020B0603030804020204"/>
-                </a:rPr>
-                <a:t>0.282 </a:t>
-              </a:r>
-              <a:endParaRPr sz="770" i="1">
-                <a:solidFill>
-                  <a:srgbClr val="000000">
-                    <a:alpha val="100000"/>
-                  </a:srgbClr>
-                </a:solidFill>
-                <a:latin typeface="DejaVu Sans" panose="020B0603030804020204"/>
-                <a:cs typeface="DejaVu Sans" panose="020B0603030804020204"/>
-              </a:endParaRPr>
-            </a:p>
-          </p:txBody>
-        </p:sp>
-        <p:sp>
-          <p:nvSpPr>
-            <p:cNvPr id="79" name="tx78"/>
-            <p:cNvSpPr/>
-            <p:nvPr/>
-          </p:nvSpPr>
-          <p:spPr>
-            <a:xfrm>
-              <a:off x="5916151" y="4379201"/>
-              <a:ext cx="311037" cy="73963"/>
-            </a:xfrm>
-            <a:prstGeom prst="rect">
-              <a:avLst/>
-            </a:prstGeom>
-            <a:noFill/>
-          </p:spPr>
-          <p:txBody>
-            <a:bodyPr wrap="none" lIns="0" tIns="0" rIns="0" bIns="0" anchor="ctr" anchorCtr="1"/>
-            <a:lstStyle/>
-            <a:p>
-              <a:pPr marL="0" marR="0" indent="0" algn="l">
-                <a:lnSpc>
-                  <a:spcPts val="770"/>
-                </a:lnSpc>
-                <a:spcBef>
-                  <a:spcPts val="0"/>
-                </a:spcBef>
-                <a:spcAft>
-                  <a:spcPts val="0"/>
-                </a:spcAft>
-              </a:pPr>
-              <a:r>
-                <a:rPr sz="770" i="1">
-                  <a:solidFill>
-                    <a:srgbClr val="000000">
-                      <a:alpha val="100000"/>
-                    </a:srgbClr>
-                  </a:solidFill>
-                  <a:latin typeface="DejaVu Sans" panose="020B0603030804020204"/>
-                  <a:cs typeface="DejaVu Sans" panose="020B0603030804020204"/>
-                </a:rPr>
-                <a:t>0.143 </a:t>
-              </a:r>
-              <a:endParaRPr sz="770" i="1">
-                <a:solidFill>
-                  <a:srgbClr val="000000">
-                    <a:alpha val="100000"/>
-                  </a:srgbClr>
-                </a:solidFill>
-                <a:latin typeface="DejaVu Sans" panose="020B0603030804020204"/>
-                <a:cs typeface="DejaVu Sans" panose="020B0603030804020204"/>
-              </a:endParaRPr>
-            </a:p>
-          </p:txBody>
-        </p:sp>
-        <p:sp>
-          <p:nvSpPr>
-            <p:cNvPr id="80" name="tx79"/>
-            <p:cNvSpPr/>
-            <p:nvPr/>
-          </p:nvSpPr>
-          <p:spPr>
-            <a:xfrm>
-              <a:off x="5925930" y="3837135"/>
-              <a:ext cx="359932" cy="73963"/>
-            </a:xfrm>
-            <a:prstGeom prst="rect">
-              <a:avLst/>
-            </a:prstGeom>
-            <a:noFill/>
-          </p:spPr>
-          <p:txBody>
-            <a:bodyPr wrap="none" lIns="0" tIns="0" rIns="0" bIns="0" anchor="ctr" anchorCtr="1"/>
-            <a:lstStyle/>
-            <a:p>
-              <a:pPr marL="0" marR="0" indent="0" algn="l">
-                <a:lnSpc>
-                  <a:spcPts val="770"/>
-                </a:lnSpc>
-                <a:spcBef>
-                  <a:spcPts val="0"/>
-                </a:spcBef>
-                <a:spcAft>
-                  <a:spcPts val="0"/>
-                </a:spcAft>
-              </a:pPr>
-              <a:r>
-                <a:rPr sz="770" i="1">
-                  <a:solidFill>
-                    <a:srgbClr val="000000">
-                      <a:alpha val="100000"/>
-                    </a:srgbClr>
-                  </a:solidFill>
-                  <a:latin typeface="DejaVu Sans" panose="020B0603030804020204"/>
-                  <a:cs typeface="DejaVu Sans" panose="020B0603030804020204"/>
-                </a:rPr>
-                <a:t>0.044 *</a:t>
-              </a:r>
-              <a:endParaRPr sz="770" i="1">
-                <a:solidFill>
-                  <a:srgbClr val="000000">
-                    <a:alpha val="100000"/>
-                  </a:srgbClr>
-                </a:solidFill>
-                <a:latin typeface="DejaVu Sans" panose="020B0603030804020204"/>
-                <a:cs typeface="DejaVu Sans" panose="020B0603030804020204"/>
-              </a:endParaRPr>
-            </a:p>
-          </p:txBody>
-        </p:sp>
-        <p:sp>
-          <p:nvSpPr>
-            <p:cNvPr id="81" name="tx80"/>
-            <p:cNvSpPr/>
-            <p:nvPr/>
-          </p:nvSpPr>
-          <p:spPr>
-            <a:xfrm>
-              <a:off x="5925930" y="2753003"/>
-              <a:ext cx="359932" cy="73963"/>
-            </a:xfrm>
-            <a:prstGeom prst="rect">
-              <a:avLst/>
-            </a:prstGeom>
-            <a:noFill/>
-          </p:spPr>
-          <p:txBody>
-            <a:bodyPr wrap="none" lIns="0" tIns="0" rIns="0" bIns="0" anchor="ctr" anchorCtr="1"/>
-            <a:lstStyle/>
-            <a:p>
-              <a:pPr marL="0" marR="0" indent="0" algn="l">
-                <a:lnSpc>
-                  <a:spcPts val="770"/>
-                </a:lnSpc>
-                <a:spcBef>
-                  <a:spcPts val="0"/>
-                </a:spcBef>
-                <a:spcAft>
-                  <a:spcPts val="0"/>
-                </a:spcAft>
-              </a:pPr>
-              <a:r>
-                <a:rPr sz="770" i="1">
-                  <a:solidFill>
-                    <a:srgbClr val="000000">
-                      <a:alpha val="100000"/>
-                    </a:srgbClr>
-                  </a:solidFill>
-                  <a:latin typeface="DejaVu Sans" panose="020B0603030804020204"/>
-                  <a:cs typeface="DejaVu Sans" panose="020B0603030804020204"/>
-                </a:rPr>
-                <a:t>0.025 *</a:t>
-              </a:r>
-              <a:endParaRPr sz="770" i="1">
-                <a:solidFill>
-                  <a:srgbClr val="000000">
-                    <a:alpha val="100000"/>
-                  </a:srgbClr>
-                </a:solidFill>
-                <a:latin typeface="DejaVu Sans" panose="020B0603030804020204"/>
-                <a:cs typeface="DejaVu Sans" panose="020B0603030804020204"/>
-              </a:endParaRPr>
-            </a:p>
-          </p:txBody>
-        </p:sp>
-        <p:sp>
-          <p:nvSpPr>
-            <p:cNvPr id="82" name="tx81"/>
-            <p:cNvSpPr/>
-            <p:nvPr/>
-          </p:nvSpPr>
-          <p:spPr>
-            <a:xfrm>
-              <a:off x="5961875" y="1668871"/>
-              <a:ext cx="539659" cy="73963"/>
-            </a:xfrm>
-            <a:prstGeom prst="rect">
-              <a:avLst/>
-            </a:prstGeom>
-            <a:noFill/>
-          </p:spPr>
-          <p:txBody>
-            <a:bodyPr wrap="none" lIns="0" tIns="0" rIns="0" bIns="0" anchor="ctr" anchorCtr="1"/>
-            <a:lstStyle/>
-            <a:p>
-              <a:pPr marL="0" marR="0" indent="0" algn="l">
-                <a:lnSpc>
-                  <a:spcPts val="770"/>
-                </a:lnSpc>
-                <a:spcBef>
-                  <a:spcPts val="0"/>
-                </a:spcBef>
-                <a:spcAft>
-                  <a:spcPts val="0"/>
-                </a:spcAft>
-              </a:pPr>
-              <a:r>
-                <a:rPr sz="770" i="1">
-                  <a:solidFill>
-                    <a:srgbClr val="000000">
-                      <a:alpha val="100000"/>
-                    </a:srgbClr>
-                  </a:solidFill>
-                  <a:latin typeface="DejaVu Sans" panose="020B0603030804020204"/>
-                  <a:cs typeface="DejaVu Sans" panose="020B0603030804020204"/>
-                </a:rPr>
-                <a:t>&lt;0.001 ***</a:t>
-              </a:r>
-              <a:endParaRPr sz="770" i="1">
-                <a:solidFill>
-                  <a:srgbClr val="000000">
-                    <a:alpha val="100000"/>
-                  </a:srgbClr>
-                </a:solidFill>
-                <a:latin typeface="DejaVu Sans" panose="020B0603030804020204"/>
-                <a:cs typeface="DejaVu Sans" panose="020B0603030804020204"/>
-              </a:endParaRPr>
-            </a:p>
-          </p:txBody>
-        </p:sp>
-        <p:sp>
-          <p:nvSpPr>
-            <p:cNvPr id="83" name="tx82"/>
-            <p:cNvSpPr/>
-            <p:nvPr/>
-          </p:nvSpPr>
-          <p:spPr>
-            <a:xfrm>
-              <a:off x="1243999" y="5791756"/>
-              <a:ext cx="2626817" cy="94638"/>
-            </a:xfrm>
-            <a:prstGeom prst="rect">
-              <a:avLst/>
-            </a:prstGeom>
-            <a:noFill/>
-          </p:spPr>
-          <p:txBody>
-            <a:bodyPr wrap="none" lIns="0" tIns="0" rIns="0" bIns="0" anchor="ctr" anchorCtr="1"/>
-            <a:lstStyle/>
-            <a:p>
-              <a:pPr marL="0" marR="0" indent="0" algn="l">
-                <a:lnSpc>
-                  <a:spcPts val="770"/>
-                </a:lnSpc>
-                <a:spcBef>
-                  <a:spcPts val="0"/>
-                </a:spcBef>
-                <a:spcAft>
-                  <a:spcPts val="0"/>
-                </a:spcAft>
-              </a:pPr>
-              <a:r>
-                <a:rPr sz="770" i="1">
-                  <a:solidFill>
-                    <a:srgbClr val="000000">
-                      <a:alpha val="100000"/>
-                    </a:srgbClr>
-                  </a:solidFill>
-                  <a:latin typeface="DejaVu Sans" panose="020B0603030804020204"/>
-                  <a:cs typeface="DejaVu Sans" panose="020B0603030804020204"/>
-                </a:rPr>
-                <a:t># Events: 41; Global p-value (Log-Rank): 2.3558e-08 </a:t>
-              </a:r>
-              <a:endParaRPr sz="770" i="1">
-                <a:solidFill>
-                  <a:srgbClr val="000000">
-                    <a:alpha val="100000"/>
-                  </a:srgbClr>
-                </a:solidFill>
-                <a:latin typeface="DejaVu Sans" panose="020B0603030804020204"/>
-                <a:cs typeface="DejaVu Sans" panose="020B0603030804020204"/>
-              </a:endParaRPr>
-            </a:p>
-          </p:txBody>
-        </p:sp>
-        <p:sp>
-          <p:nvSpPr>
-            <p:cNvPr id="84" name="tx83"/>
-            <p:cNvSpPr/>
-            <p:nvPr/>
-          </p:nvSpPr>
-          <p:spPr>
-            <a:xfrm>
-              <a:off x="1243999" y="5941551"/>
-              <a:ext cx="1859824" cy="85661"/>
-            </a:xfrm>
-            <a:prstGeom prst="rect">
-              <a:avLst/>
-            </a:prstGeom>
-            <a:noFill/>
-          </p:spPr>
-          <p:txBody>
-            <a:bodyPr wrap="none" lIns="0" tIns="0" rIns="0" bIns="0" anchor="ctr" anchorCtr="1"/>
-            <a:lstStyle/>
-            <a:p>
-              <a:pPr marL="0" marR="0" indent="0" algn="l">
-                <a:lnSpc>
-                  <a:spcPts val="770"/>
-                </a:lnSpc>
-                <a:spcBef>
-                  <a:spcPts val="0"/>
-                </a:spcBef>
-                <a:spcAft>
-                  <a:spcPts val="0"/>
-                </a:spcAft>
-              </a:pPr>
-              <a:r>
-                <a:rPr sz="770" i="1">
-                  <a:solidFill>
-                    <a:srgbClr val="000000">
-                      <a:alpha val="100000"/>
-                    </a:srgbClr>
-                  </a:solidFill>
-                  <a:latin typeface="DejaVu Sans" panose="020B0603030804020204"/>
-                  <a:cs typeface="DejaVu Sans" panose="020B0603030804020204"/>
-                </a:rPr>
-                <a:t>AIC: 357.09; Concordance Index: 0.78</a:t>
-              </a:r>
-              <a:endParaRPr sz="770" i="1">
-                <a:solidFill>
-                  <a:srgbClr val="000000">
-                    <a:alpha val="100000"/>
-                  </a:srgbClr>
-                </a:solidFill>
-                <a:latin typeface="DejaVu Sans" panose="020B0603030804020204"/>
-                <a:cs typeface="DejaVu Sans" panose="020B0603030804020204"/>
-              </a:endParaRPr>
-            </a:p>
-          </p:txBody>
-        </p:sp>
-        <p:sp>
-          <p:nvSpPr>
-            <p:cNvPr id="85" name="pl84"/>
-            <p:cNvSpPr/>
-            <p:nvPr/>
-          </p:nvSpPr>
-          <p:spPr>
-            <a:xfrm>
-              <a:off x="3793486" y="5989510"/>
+            <p:cNvPr id="67" name="pl66"/>
+            <p:cNvSpPr/>
+            <p:nvPr/>
+          </p:nvSpPr>
+          <p:spPr>
+            <a:xfrm>
+              <a:off x="3793488" y="5989510"/>
               <a:ext cx="0" cy="34794"/>
             </a:xfrm>
             <a:custGeom>
               <a:avLst/>
-              <a:gdLst/>
-              <a:ahLst/>
-              <a:cxnLst/>
               <a:pathLst>
-                <a:path h="34794">
+                <a:path w="0" h="34794">
                   <a:moveTo>
                     <a:pt x="0" y="34794"/>
                   </a:moveTo>
@@ -6050,22 +4900,19 @@
         </p:sp>
         <p:sp>
           <p:nvSpPr>
-            <p:cNvPr id="86" name="pl85"/>
-            <p:cNvSpPr/>
-            <p:nvPr/>
-          </p:nvSpPr>
-          <p:spPr>
-            <a:xfrm>
-              <a:off x="4134144" y="5989510"/>
+            <p:cNvPr id="68" name="pl67"/>
+            <p:cNvSpPr/>
+            <p:nvPr/>
+          </p:nvSpPr>
+          <p:spPr>
+            <a:xfrm>
+              <a:off x="4134146" y="5989510"/>
               <a:ext cx="0" cy="34794"/>
             </a:xfrm>
             <a:custGeom>
               <a:avLst/>
-              <a:gdLst/>
-              <a:ahLst/>
-              <a:cxnLst/>
               <a:pathLst>
-                <a:path h="34794">
+                <a:path w="0" h="34794">
                   <a:moveTo>
                     <a:pt x="0" y="34794"/>
                   </a:moveTo>
@@ -6093,22 +4940,19 @@
         </p:sp>
         <p:sp>
           <p:nvSpPr>
-            <p:cNvPr id="87" name="pl86"/>
-            <p:cNvSpPr/>
-            <p:nvPr/>
-          </p:nvSpPr>
-          <p:spPr>
-            <a:xfrm>
-              <a:off x="4474802" y="5989510"/>
+            <p:cNvPr id="69" name="pl68"/>
+            <p:cNvSpPr/>
+            <p:nvPr/>
+          </p:nvSpPr>
+          <p:spPr>
+            <a:xfrm>
+              <a:off x="4474803" y="5989510"/>
               <a:ext cx="0" cy="34794"/>
             </a:xfrm>
             <a:custGeom>
               <a:avLst/>
-              <a:gdLst/>
-              <a:ahLst/>
-              <a:cxnLst/>
               <a:pathLst>
-                <a:path h="34794">
+                <a:path w="0" h="34794">
                   <a:moveTo>
                     <a:pt x="0" y="34794"/>
                   </a:moveTo>
@@ -6136,22 +4980,19 @@
         </p:sp>
         <p:sp>
           <p:nvSpPr>
-            <p:cNvPr id="88" name="pl87"/>
-            <p:cNvSpPr/>
-            <p:nvPr/>
-          </p:nvSpPr>
-          <p:spPr>
-            <a:xfrm>
-              <a:off x="4925127" y="5989510"/>
+            <p:cNvPr id="70" name="pl69"/>
+            <p:cNvSpPr/>
+            <p:nvPr/>
+          </p:nvSpPr>
+          <p:spPr>
+            <a:xfrm>
+              <a:off x="4925128" y="5989510"/>
               <a:ext cx="0" cy="34794"/>
             </a:xfrm>
             <a:custGeom>
               <a:avLst/>
-              <a:gdLst/>
-              <a:ahLst/>
-              <a:cxnLst/>
               <a:pathLst>
-                <a:path h="34794">
+                <a:path w="0" h="34794">
                   <a:moveTo>
                     <a:pt x="0" y="34794"/>
                   </a:moveTo>
@@ -6179,22 +5020,19 @@
         </p:sp>
         <p:sp>
           <p:nvSpPr>
-            <p:cNvPr id="89" name="pl88"/>
-            <p:cNvSpPr/>
-            <p:nvPr/>
-          </p:nvSpPr>
-          <p:spPr>
-            <a:xfrm>
-              <a:off x="5265785" y="5989510"/>
+            <p:cNvPr id="71" name="pl70"/>
+            <p:cNvSpPr/>
+            <p:nvPr/>
+          </p:nvSpPr>
+          <p:spPr>
+            <a:xfrm>
+              <a:off x="5265786" y="5989510"/>
               <a:ext cx="0" cy="34794"/>
             </a:xfrm>
             <a:custGeom>
               <a:avLst/>
-              <a:gdLst/>
-              <a:ahLst/>
-              <a:cxnLst/>
               <a:pathLst>
-                <a:path h="34794">
+                <a:path w="0" h="34794">
                   <a:moveTo>
                     <a:pt x="0" y="34794"/>
                   </a:moveTo>
@@ -6222,22 +5060,19 @@
         </p:sp>
         <p:sp>
           <p:nvSpPr>
-            <p:cNvPr id="90" name="pl89"/>
-            <p:cNvSpPr/>
-            <p:nvPr/>
-          </p:nvSpPr>
-          <p:spPr>
-            <a:xfrm>
-              <a:off x="5606443" y="5989510"/>
+            <p:cNvPr id="72" name="pl71"/>
+            <p:cNvSpPr/>
+            <p:nvPr/>
+          </p:nvSpPr>
+          <p:spPr>
+            <a:xfrm>
+              <a:off x="5606444" y="5989510"/>
               <a:ext cx="0" cy="34794"/>
             </a:xfrm>
             <a:custGeom>
               <a:avLst/>
-              <a:gdLst/>
-              <a:ahLst/>
-              <a:cxnLst/>
               <a:pathLst>
-                <a:path h="34794">
+                <a:path w="0" h="34794">
                   <a:moveTo>
                     <a:pt x="0" y="34794"/>
                   </a:moveTo>
@@ -6265,22 +5100,19 @@
         </p:sp>
         <p:sp>
           <p:nvSpPr>
-            <p:cNvPr id="91" name="pl90"/>
-            <p:cNvSpPr/>
-            <p:nvPr/>
-          </p:nvSpPr>
-          <p:spPr>
-            <a:xfrm>
-              <a:off x="6056768" y="5989510"/>
+            <p:cNvPr id="73" name="pl72"/>
+            <p:cNvSpPr/>
+            <p:nvPr/>
+          </p:nvSpPr>
+          <p:spPr>
+            <a:xfrm>
+              <a:off x="6056769" y="5989510"/>
               <a:ext cx="0" cy="34794"/>
             </a:xfrm>
             <a:custGeom>
               <a:avLst/>
-              <a:gdLst/>
-              <a:ahLst/>
-              <a:cxnLst/>
               <a:pathLst>
-                <a:path h="34794">
+                <a:path w="0" h="34794">
                   <a:moveTo>
                     <a:pt x="0" y="34794"/>
                   </a:moveTo>
@@ -6308,13 +5140,13 @@
         </p:sp>
         <p:sp>
           <p:nvSpPr>
-            <p:cNvPr id="92" name="tx91"/>
-            <p:cNvSpPr/>
-            <p:nvPr/>
-          </p:nvSpPr>
-          <p:spPr>
-            <a:xfrm>
-              <a:off x="3704619" y="6049085"/>
+            <p:cNvPr id="74" name="tx73"/>
+            <p:cNvSpPr/>
+            <p:nvPr/>
+          </p:nvSpPr>
+          <p:spPr>
+            <a:xfrm>
+              <a:off x="3704620" y="6049085"/>
               <a:ext cx="177735" cy="84529"/>
             </a:xfrm>
             <a:prstGeom prst="rect">
@@ -6323,10 +5155,10 @@
             <a:noFill/>
           </p:spPr>
           <p:txBody>
-            <a:bodyPr wrap="none" lIns="0" tIns="0" rIns="0" bIns="0" anchor="ctr" anchorCtr="1"/>
+            <a:bodyPr lIns="0" rIns="0" tIns="0" bIns="0" anchorCtr="1" anchor="ctr" wrap="none"/>
             <a:lstStyle/>
             <a:p>
-              <a:pPr marL="0" marR="0" indent="0" algn="l">
+              <a:pPr algn="l" marL="0" marR="0" indent="0">
                 <a:lnSpc>
                   <a:spcPts val="880"/>
                 </a:lnSpc>
@@ -6344,32 +5176,23 @@
                       <a:alpha val="100000"/>
                     </a:srgbClr>
                   </a:solidFill>
-                  <a:latin typeface="DejaVu Sans" panose="020B0603030804020204"/>
-                  <a:cs typeface="DejaVu Sans" panose="020B0603030804020204"/>
+                  <a:latin typeface="DejaVu Sans"/>
+                  <a:cs typeface="DejaVu Sans"/>
                 </a:rPr>
                 <a:t>0.5</a:t>
               </a:r>
-              <a:endParaRPr sz="880">
-                <a:solidFill>
-                  <a:srgbClr val="4D4D4D">
-                    <a:alpha val="100000"/>
-                  </a:srgbClr>
-                </a:solidFill>
-                <a:latin typeface="DejaVu Sans" panose="020B0603030804020204"/>
-                <a:cs typeface="DejaVu Sans" panose="020B0603030804020204"/>
-              </a:endParaRPr>
             </a:p>
           </p:txBody>
         </p:sp>
         <p:sp>
           <p:nvSpPr>
-            <p:cNvPr id="93" name="tx92"/>
-            <p:cNvSpPr/>
-            <p:nvPr/>
-          </p:nvSpPr>
-          <p:spPr>
-            <a:xfrm>
-              <a:off x="4098592" y="6052141"/>
+            <p:cNvPr id="75" name="tx74"/>
+            <p:cNvSpPr/>
+            <p:nvPr/>
+          </p:nvSpPr>
+          <p:spPr>
+            <a:xfrm>
+              <a:off x="4098593" y="6052141"/>
               <a:ext cx="71105" cy="81473"/>
             </a:xfrm>
             <a:prstGeom prst="rect">
@@ -6378,10 +5201,10 @@
             <a:noFill/>
           </p:spPr>
           <p:txBody>
-            <a:bodyPr wrap="none" lIns="0" tIns="0" rIns="0" bIns="0" anchor="ctr" anchorCtr="1"/>
+            <a:bodyPr lIns="0" rIns="0" tIns="0" bIns="0" anchorCtr="1" anchor="ctr" wrap="none"/>
             <a:lstStyle/>
             <a:p>
-              <a:pPr marL="0" marR="0" indent="0" algn="l">
+              <a:pPr algn="l" marL="0" marR="0" indent="0">
                 <a:lnSpc>
                   <a:spcPts val="880"/>
                 </a:lnSpc>
@@ -6399,32 +5222,23 @@
                       <a:alpha val="100000"/>
                     </a:srgbClr>
                   </a:solidFill>
-                  <a:latin typeface="DejaVu Sans" panose="020B0603030804020204"/>
-                  <a:cs typeface="DejaVu Sans" panose="020B0603030804020204"/>
+                  <a:latin typeface="DejaVu Sans"/>
+                  <a:cs typeface="DejaVu Sans"/>
                 </a:rPr>
                 <a:t>1</a:t>
               </a:r>
-              <a:endParaRPr sz="880">
-                <a:solidFill>
-                  <a:srgbClr val="4D4D4D">
-                    <a:alpha val="100000"/>
-                  </a:srgbClr>
-                </a:solidFill>
-                <a:latin typeface="DejaVu Sans" panose="020B0603030804020204"/>
-                <a:cs typeface="DejaVu Sans" panose="020B0603030804020204"/>
-              </a:endParaRPr>
             </a:p>
           </p:txBody>
         </p:sp>
         <p:sp>
           <p:nvSpPr>
-            <p:cNvPr id="94" name="tx93"/>
-            <p:cNvSpPr/>
-            <p:nvPr/>
-          </p:nvSpPr>
-          <p:spPr>
-            <a:xfrm>
-              <a:off x="4439249" y="6050667"/>
+            <p:cNvPr id="76" name="tx75"/>
+            <p:cNvSpPr/>
+            <p:nvPr/>
+          </p:nvSpPr>
+          <p:spPr>
+            <a:xfrm>
+              <a:off x="4439251" y="6050667"/>
               <a:ext cx="71105" cy="82946"/>
             </a:xfrm>
             <a:prstGeom prst="rect">
@@ -6433,10 +5247,10 @@
             <a:noFill/>
           </p:spPr>
           <p:txBody>
-            <a:bodyPr wrap="none" lIns="0" tIns="0" rIns="0" bIns="0" anchor="ctr" anchorCtr="1"/>
+            <a:bodyPr lIns="0" rIns="0" tIns="0" bIns="0" anchorCtr="1" anchor="ctr" wrap="none"/>
             <a:lstStyle/>
             <a:p>
-              <a:pPr marL="0" marR="0" indent="0" algn="l">
+              <a:pPr algn="l" marL="0" marR="0" indent="0">
                 <a:lnSpc>
                   <a:spcPts val="880"/>
                 </a:lnSpc>
@@ -6454,32 +5268,23 @@
                       <a:alpha val="100000"/>
                     </a:srgbClr>
                   </a:solidFill>
-                  <a:latin typeface="DejaVu Sans" panose="020B0603030804020204"/>
-                  <a:cs typeface="DejaVu Sans" panose="020B0603030804020204"/>
+                  <a:latin typeface="DejaVu Sans"/>
+                  <a:cs typeface="DejaVu Sans"/>
                 </a:rPr>
                 <a:t>2</a:t>
               </a:r>
-              <a:endParaRPr sz="880">
-                <a:solidFill>
-                  <a:srgbClr val="4D4D4D">
-                    <a:alpha val="100000"/>
-                  </a:srgbClr>
-                </a:solidFill>
-                <a:latin typeface="DejaVu Sans" panose="020B0603030804020204"/>
-                <a:cs typeface="DejaVu Sans" panose="020B0603030804020204"/>
-              </a:endParaRPr>
             </a:p>
           </p:txBody>
         </p:sp>
         <p:sp>
           <p:nvSpPr>
-            <p:cNvPr id="95" name="tx94"/>
-            <p:cNvSpPr/>
-            <p:nvPr/>
-          </p:nvSpPr>
-          <p:spPr>
-            <a:xfrm>
-              <a:off x="4889575" y="6050558"/>
+            <p:cNvPr id="77" name="tx76"/>
+            <p:cNvSpPr/>
+            <p:nvPr/>
+          </p:nvSpPr>
+          <p:spPr>
+            <a:xfrm>
+              <a:off x="4889576" y="6050558"/>
               <a:ext cx="71105" cy="83056"/>
             </a:xfrm>
             <a:prstGeom prst="rect">
@@ -6488,10 +5293,10 @@
             <a:noFill/>
           </p:spPr>
           <p:txBody>
-            <a:bodyPr wrap="none" lIns="0" tIns="0" rIns="0" bIns="0" anchor="ctr" anchorCtr="1"/>
+            <a:bodyPr lIns="0" rIns="0" tIns="0" bIns="0" anchorCtr="1" anchor="ctr" wrap="none"/>
             <a:lstStyle/>
             <a:p>
-              <a:pPr marL="0" marR="0" indent="0" algn="l">
+              <a:pPr algn="l" marL="0" marR="0" indent="0">
                 <a:lnSpc>
                   <a:spcPts val="880"/>
                 </a:lnSpc>
@@ -6509,32 +5314,23 @@
                       <a:alpha val="100000"/>
                     </a:srgbClr>
                   </a:solidFill>
-                  <a:latin typeface="DejaVu Sans" panose="020B0603030804020204"/>
-                  <a:cs typeface="DejaVu Sans" panose="020B0603030804020204"/>
+                  <a:latin typeface="DejaVu Sans"/>
+                  <a:cs typeface="DejaVu Sans"/>
                 </a:rPr>
                 <a:t>5</a:t>
               </a:r>
-              <a:endParaRPr sz="880">
-                <a:solidFill>
-                  <a:srgbClr val="4D4D4D">
-                    <a:alpha val="100000"/>
-                  </a:srgbClr>
-                </a:solidFill>
-                <a:latin typeface="DejaVu Sans" panose="020B0603030804020204"/>
-                <a:cs typeface="DejaVu Sans" panose="020B0603030804020204"/>
-              </a:endParaRPr>
             </a:p>
           </p:txBody>
         </p:sp>
         <p:sp>
           <p:nvSpPr>
-            <p:cNvPr id="96" name="tx95"/>
-            <p:cNvSpPr/>
-            <p:nvPr/>
-          </p:nvSpPr>
-          <p:spPr>
-            <a:xfrm>
-              <a:off x="5194680" y="6049085"/>
+            <p:cNvPr id="78" name="tx77"/>
+            <p:cNvSpPr/>
+            <p:nvPr/>
+          </p:nvSpPr>
+          <p:spPr>
+            <a:xfrm>
+              <a:off x="5194681" y="6049085"/>
               <a:ext cx="142210" cy="84529"/>
             </a:xfrm>
             <a:prstGeom prst="rect">
@@ -6543,10 +5339,10 @@
             <a:noFill/>
           </p:spPr>
           <p:txBody>
-            <a:bodyPr wrap="none" lIns="0" tIns="0" rIns="0" bIns="0" anchor="ctr" anchorCtr="1"/>
+            <a:bodyPr lIns="0" rIns="0" tIns="0" bIns="0" anchorCtr="1" anchor="ctr" wrap="none"/>
             <a:lstStyle/>
             <a:p>
-              <a:pPr marL="0" marR="0" indent="0" algn="l">
+              <a:pPr algn="l" marL="0" marR="0" indent="0">
                 <a:lnSpc>
                   <a:spcPts val="880"/>
                 </a:lnSpc>
@@ -6564,32 +5360,23 @@
                       <a:alpha val="100000"/>
                     </a:srgbClr>
                   </a:solidFill>
-                  <a:latin typeface="DejaVu Sans" panose="020B0603030804020204"/>
-                  <a:cs typeface="DejaVu Sans" panose="020B0603030804020204"/>
+                  <a:latin typeface="DejaVu Sans"/>
+                  <a:cs typeface="DejaVu Sans"/>
                 </a:rPr>
                 <a:t>10</a:t>
               </a:r>
-              <a:endParaRPr sz="880">
-                <a:solidFill>
-                  <a:srgbClr val="4D4D4D">
-                    <a:alpha val="100000"/>
-                  </a:srgbClr>
-                </a:solidFill>
-                <a:latin typeface="DejaVu Sans" panose="020B0603030804020204"/>
-                <a:cs typeface="DejaVu Sans" panose="020B0603030804020204"/>
-              </a:endParaRPr>
             </a:p>
           </p:txBody>
         </p:sp>
         <p:sp>
           <p:nvSpPr>
-            <p:cNvPr id="97" name="tx96"/>
-            <p:cNvSpPr/>
-            <p:nvPr/>
-          </p:nvSpPr>
-          <p:spPr>
-            <a:xfrm>
-              <a:off x="5535338" y="6049085"/>
+            <p:cNvPr id="79" name="tx78"/>
+            <p:cNvSpPr/>
+            <p:nvPr/>
+          </p:nvSpPr>
+          <p:spPr>
+            <a:xfrm>
+              <a:off x="5535339" y="6049085"/>
               <a:ext cx="142210" cy="84529"/>
             </a:xfrm>
             <a:prstGeom prst="rect">
@@ -6598,10 +5385,10 @@
             <a:noFill/>
           </p:spPr>
           <p:txBody>
-            <a:bodyPr wrap="none" lIns="0" tIns="0" rIns="0" bIns="0" anchor="ctr" anchorCtr="1"/>
+            <a:bodyPr lIns="0" rIns="0" tIns="0" bIns="0" anchorCtr="1" anchor="ctr" wrap="none"/>
             <a:lstStyle/>
             <a:p>
-              <a:pPr marL="0" marR="0" indent="0" algn="l">
+              <a:pPr algn="l" marL="0" marR="0" indent="0">
                 <a:lnSpc>
                   <a:spcPts val="880"/>
                 </a:lnSpc>
@@ -6619,32 +5406,23 @@
                       <a:alpha val="100000"/>
                     </a:srgbClr>
                   </a:solidFill>
-                  <a:latin typeface="DejaVu Sans" panose="020B0603030804020204"/>
-                  <a:cs typeface="DejaVu Sans" panose="020B0603030804020204"/>
+                  <a:latin typeface="DejaVu Sans"/>
+                  <a:cs typeface="DejaVu Sans"/>
                 </a:rPr>
                 <a:t>20</a:t>
               </a:r>
-              <a:endParaRPr sz="880">
-                <a:solidFill>
-                  <a:srgbClr val="4D4D4D">
-                    <a:alpha val="100000"/>
-                  </a:srgbClr>
-                </a:solidFill>
-                <a:latin typeface="DejaVu Sans" panose="020B0603030804020204"/>
-                <a:cs typeface="DejaVu Sans" panose="020B0603030804020204"/>
-              </a:endParaRPr>
             </a:p>
           </p:txBody>
         </p:sp>
         <p:sp>
           <p:nvSpPr>
-            <p:cNvPr id="98" name="tx97"/>
-            <p:cNvSpPr/>
-            <p:nvPr/>
-          </p:nvSpPr>
-          <p:spPr>
-            <a:xfrm>
-              <a:off x="5985663" y="6049085"/>
+            <p:cNvPr id="80" name="tx79"/>
+            <p:cNvSpPr/>
+            <p:nvPr/>
+          </p:nvSpPr>
+          <p:spPr>
+            <a:xfrm>
+              <a:off x="5985664" y="6049085"/>
               <a:ext cx="142210" cy="84529"/>
             </a:xfrm>
             <a:prstGeom prst="rect">
@@ -6653,10 +5431,10 @@
             <a:noFill/>
           </p:spPr>
           <p:txBody>
-            <a:bodyPr wrap="none" lIns="0" tIns="0" rIns="0" bIns="0" anchor="ctr" anchorCtr="1"/>
+            <a:bodyPr lIns="0" rIns="0" tIns="0" bIns="0" anchorCtr="1" anchor="ctr" wrap="none"/>
             <a:lstStyle/>
             <a:p>
-              <a:pPr marL="0" marR="0" indent="0" algn="l">
+              <a:pPr algn="l" marL="0" marR="0" indent="0">
                 <a:lnSpc>
                   <a:spcPts val="880"/>
                 </a:lnSpc>
@@ -6674,26 +5452,17 @@
                       <a:alpha val="100000"/>
                     </a:srgbClr>
                   </a:solidFill>
-                  <a:latin typeface="DejaVu Sans" panose="020B0603030804020204"/>
-                  <a:cs typeface="DejaVu Sans" panose="020B0603030804020204"/>
+                  <a:latin typeface="DejaVu Sans"/>
+                  <a:cs typeface="DejaVu Sans"/>
                 </a:rPr>
                 <a:t>50</a:t>
               </a:r>
-              <a:endParaRPr sz="880">
-                <a:solidFill>
-                  <a:srgbClr val="4D4D4D">
-                    <a:alpha val="100000"/>
-                  </a:srgbClr>
-                </a:solidFill>
-                <a:latin typeface="DejaVu Sans" panose="020B0603030804020204"/>
-                <a:cs typeface="DejaVu Sans" panose="020B0603030804020204"/>
-              </a:endParaRPr>
             </a:p>
           </p:txBody>
         </p:sp>
         <p:sp>
           <p:nvSpPr>
-            <p:cNvPr id="99" name="tx98"/>
+            <p:cNvPr id="81" name="tx80"/>
             <p:cNvSpPr/>
             <p:nvPr/>
           </p:nvSpPr>
@@ -6708,10 +5477,10 @@
             <a:noFill/>
           </p:spPr>
           <p:txBody>
-            <a:bodyPr wrap="none" lIns="0" tIns="0" rIns="0" bIns="0" anchor="ctr" anchorCtr="1"/>
+            <a:bodyPr lIns="0" rIns="0" tIns="0" bIns="0" anchorCtr="1" anchor="ctr" wrap="none"/>
             <a:lstStyle/>
             <a:p>
-              <a:pPr marL="0" marR="0" indent="0" algn="l">
+              <a:pPr algn="l" marL="0" marR="0" indent="0">
                 <a:lnSpc>
                   <a:spcPts val="1320"/>
                 </a:lnSpc>
@@ -6729,20 +5498,11 @@
                       <a:alpha val="100000"/>
                     </a:srgbClr>
                   </a:solidFill>
-                  <a:latin typeface="DejaVu Sans" panose="020B0603030804020204"/>
-                  <a:cs typeface="DejaVu Sans" panose="020B0603030804020204"/>
+                  <a:latin typeface="DejaVu Sans"/>
+                  <a:cs typeface="DejaVu Sans"/>
                 </a:rPr>
                 <a:t>Hazard ratio</a:t>
               </a:r>
-              <a:endParaRPr sz="1320">
-                <a:solidFill>
-                  <a:srgbClr val="000000">
-                    <a:alpha val="100000"/>
-                  </a:srgbClr>
-                </a:solidFill>
-                <a:latin typeface="DejaVu Sans" panose="020B0603030804020204"/>
-                <a:cs typeface="DejaVu Sans" panose="020B0603030804020204"/>
-              </a:endParaRPr>
             </a:p>
           </p:txBody>
         </p:sp>
@@ -6756,7 +5516,7 @@
 </file>
 
 <file path=ppt/tags/tag1.xml><?xml version="1.0" encoding="utf-8"?>
-<p:tagLst xmlns:p="http://schemas.openxmlformats.org/presentationml/2006/main">
+<p:tagLst xmlns:a="http://schemas.openxmlformats.org/drawingml/2006/main" xmlns:r="http://schemas.openxmlformats.org/officeDocument/2006/relationships" xmlns:p="http://schemas.openxmlformats.org/presentationml/2006/main">
   <p:tag name="_AMO_UNIQUEIDENTIFIER" val="Empty"/>
 </p:tagLst>
 </file>
@@ -7041,10 +5801,7 @@
       </a:bgFillStyleLst>
     </a:fmtScheme>
   </a:themeElements>
-  <a:extLst>
-    <a:ext uri="{05A4C25C-085E-4340-85A3-A5531E510DB2}">
-      <thm15:themeFamily xmlns:thm15="http://schemas.microsoft.com/office/thememl/2012/main" name="Office Theme" id="{62F939B6-93AF-4DB8-9C6B-D6C7DFDC589F}" vid="{4A3C46E8-61CC-4603-A589-7422A47A8E4A}"/>
-    </a:ext>
-  </a:extLst>
+  <a:objectDefaults/>
+  <a:extraClrSchemeLst/>
 </a:theme>
 </file>